--- a/Documentation (Danish)/Blackjack i C#.pptx
+++ b/Documentation (Danish)/Blackjack i C#.pptx
@@ -5,10 +5,10 @@
     <p:sldMasterId id="2147483648" r:id="rId4"/>
   </p:sldMasterIdLst>
   <p:notesMasterIdLst>
-    <p:notesMasterId r:id="rId17"/>
+    <p:notesMasterId r:id="rId18"/>
   </p:notesMasterIdLst>
   <p:handoutMasterIdLst>
-    <p:handoutMasterId r:id="rId18"/>
+    <p:handoutMasterId r:id="rId19"/>
   </p:handoutMasterIdLst>
   <p:sldIdLst>
     <p:sldId id="256" r:id="rId5"/>
@@ -18,11 +18,12 @@
     <p:sldId id="282" r:id="rId9"/>
     <p:sldId id="283" r:id="rId10"/>
     <p:sldId id="290" r:id="rId11"/>
-    <p:sldId id="263" r:id="rId12"/>
-    <p:sldId id="262" r:id="rId13"/>
-    <p:sldId id="264" r:id="rId14"/>
-    <p:sldId id="275" r:id="rId15"/>
-    <p:sldId id="289" r:id="rId16"/>
+    <p:sldId id="291" r:id="rId12"/>
+    <p:sldId id="263" r:id="rId13"/>
+    <p:sldId id="262" r:id="rId14"/>
+    <p:sldId id="264" r:id="rId15"/>
+    <p:sldId id="275" r:id="rId16"/>
+    <p:sldId id="289" r:id="rId17"/>
   </p:sldIdLst>
   <p:sldSz cx="12192000" cy="6858000"/>
   <p:notesSz cx="6858000" cy="9144000"/>
@@ -721,6 +722,13 @@
           </p:nvPr>
         </p:nvSpPr>
         <p:spPr/>
+        <p:txBody>
+          <a:bodyPr/>
+          <a:lstStyle/>
+          <a:p>
+            <a:endParaRPr lang="da-DK"/>
+          </a:p>
+        </p:txBody>
       </p:sp>
       <p:sp>
         <p:nvSpPr>
@@ -819,23 +827,66 @@
           </p:nvPr>
         </p:nvSpPr>
         <p:spPr/>
-      </p:sp>
-      <p:sp>
-        <p:nvSpPr>
-          <p:cNvPr id="3" name="Pladsholder til noter 2"/>
-          <p:cNvSpPr>
-            <a:spLocks noGrp="1"/>
-          </p:cNvSpPr>
-          <p:nvPr>
-            <p:ph type="body" idx="1"/>
-          </p:nvPr>
-        </p:nvSpPr>
-        <p:spPr/>
         <p:txBody>
           <a:bodyPr/>
           <a:lstStyle/>
           <a:p>
             <a:endParaRPr lang="da-DK"/>
+          </a:p>
+        </p:txBody>
+      </p:sp>
+      <p:sp>
+        <p:nvSpPr>
+          <p:cNvPr id="3" name="Pladsholder til noter 2"/>
+          <p:cNvSpPr>
+            <a:spLocks noGrp="1"/>
+          </p:cNvSpPr>
+          <p:nvPr>
+            <p:ph type="body" idx="1"/>
+          </p:nvPr>
+        </p:nvSpPr>
+        <p:spPr/>
+        <p:txBody>
+          <a:bodyPr/>
+          <a:lstStyle/>
+          <a:p>
+            <a:r>
+              <a:rPr lang="da-DK" dirty="0"/>
+              <a:t>Visuelt ses disse funktioner:</a:t>
+            </a:r>
+          </a:p>
+          <a:p>
+            <a:endParaRPr lang="da-DK" dirty="0"/>
+          </a:p>
+          <a:p>
+            <a:r>
+              <a:rPr lang="da-DK" dirty="0"/>
+              <a:t>Start</a:t>
+            </a:r>
+          </a:p>
+          <a:p>
+            <a:r>
+              <a:rPr lang="da-DK" dirty="0"/>
+              <a:t>Stand</a:t>
+            </a:r>
+          </a:p>
+          <a:p>
+            <a:r>
+              <a:rPr lang="da-DK" dirty="0"/>
+              <a:t>Resultat</a:t>
+            </a:r>
+          </a:p>
+          <a:p>
+            <a:endParaRPr lang="da-DK" dirty="0"/>
+          </a:p>
+          <a:p>
+            <a:r>
+              <a:rPr lang="da-DK" dirty="0"/>
+              <a:t>Nu viser jeg kun et tab, men tests bekræfter Win og Draw.</a:t>
+            </a:r>
+          </a:p>
+          <a:p>
+            <a:endParaRPr lang="da-DK" dirty="0"/>
           </a:p>
         </p:txBody>
       </p:sp>
@@ -857,7 +908,7 @@
             <a:pPr rtl="0"/>
             <a:fld id="{35BAF473-2665-42A7-89E3-C7BA7EB58D12}" type="slidenum">
               <a:rPr lang="da-DK" smtClean="0"/>
-              <a:t>11</a:t>
+              <a:t>10</a:t>
             </a:fld>
             <a:endParaRPr lang="da-DK"/>
           </a:p>
@@ -866,7 +917,7 @@
     </p:spTree>
     <p:extLst>
       <p:ext uri="{BB962C8B-B14F-4D97-AF65-F5344CB8AC3E}">
-        <p14:creationId xmlns:p14="http://schemas.microsoft.com/office/powerpoint/2010/main" val="3861977847"/>
+        <p14:creationId xmlns:p14="http://schemas.microsoft.com/office/powerpoint/2010/main" val="1225985252"/>
       </p:ext>
     </p:extLst>
   </p:cSld>
@@ -904,23 +955,145 @@
           </p:nvPr>
         </p:nvSpPr>
         <p:spPr/>
-      </p:sp>
-      <p:sp>
-        <p:nvSpPr>
-          <p:cNvPr id="3" name="Pladsholder til noter 2"/>
-          <p:cNvSpPr>
-            <a:spLocks noGrp="1"/>
-          </p:cNvSpPr>
-          <p:nvPr>
-            <p:ph type="body" idx="1"/>
-          </p:nvPr>
-        </p:nvSpPr>
-        <p:spPr/>
         <p:txBody>
           <a:bodyPr/>
           <a:lstStyle/>
           <a:p>
             <a:endParaRPr lang="da-DK"/>
+          </a:p>
+        </p:txBody>
+      </p:sp>
+      <p:sp>
+        <p:nvSpPr>
+          <p:cNvPr id="3" name="Pladsholder til noter 2"/>
+          <p:cNvSpPr>
+            <a:spLocks noGrp="1"/>
+          </p:cNvSpPr>
+          <p:nvPr>
+            <p:ph type="body" idx="1"/>
+          </p:nvPr>
+        </p:nvSpPr>
+        <p:spPr/>
+        <p:txBody>
+          <a:bodyPr/>
+          <a:lstStyle/>
+          <a:p>
+            <a:endParaRPr lang="da-DK"/>
+          </a:p>
+        </p:txBody>
+      </p:sp>
+      <p:sp>
+        <p:nvSpPr>
+          <p:cNvPr id="4" name="Pladsholder til slidenummer 3"/>
+          <p:cNvSpPr>
+            <a:spLocks noGrp="1"/>
+          </p:cNvSpPr>
+          <p:nvPr>
+            <p:ph type="sldNum" sz="quarter" idx="5"/>
+          </p:nvPr>
+        </p:nvSpPr>
+        <p:spPr/>
+        <p:txBody>
+          <a:bodyPr/>
+          <a:lstStyle/>
+          <a:p>
+            <a:pPr rtl="0"/>
+            <a:fld id="{35BAF473-2665-42A7-89E3-C7BA7EB58D12}" type="slidenum">
+              <a:rPr lang="da-DK" smtClean="0"/>
+              <a:t>11</a:t>
+            </a:fld>
+            <a:endParaRPr lang="da-DK"/>
+          </a:p>
+        </p:txBody>
+      </p:sp>
+    </p:spTree>
+    <p:extLst>
+      <p:ext uri="{BB962C8B-B14F-4D97-AF65-F5344CB8AC3E}">
+        <p14:creationId xmlns:p14="http://schemas.microsoft.com/office/powerpoint/2010/main" val="1185115244"/>
+      </p:ext>
+    </p:extLst>
+  </p:cSld>
+  <p:clrMapOvr>
+    <a:masterClrMapping/>
+  </p:clrMapOvr>
+</p:notes>
+</file>
+
+<file path=ppt/notesSlides/notesSlide12.xml><?xml version="1.0" encoding="utf-8"?>
+<p:notes xmlns:a="http://schemas.openxmlformats.org/drawingml/2006/main" xmlns:r="http://schemas.openxmlformats.org/officeDocument/2006/relationships" xmlns:p="http://schemas.openxmlformats.org/presentationml/2006/main">
+  <p:cSld>
+    <p:spTree>
+      <p:nvGrpSpPr>
+        <p:cNvPr id="1" name=""/>
+        <p:cNvGrpSpPr/>
+        <p:nvPr/>
+      </p:nvGrpSpPr>
+      <p:grpSpPr>
+        <a:xfrm>
+          <a:off x="0" y="0"/>
+          <a:ext cx="0" cy="0"/>
+          <a:chOff x="0" y="0"/>
+          <a:chExt cx="0" cy="0"/>
+        </a:xfrm>
+      </p:grpSpPr>
+      <p:sp>
+        <p:nvSpPr>
+          <p:cNvPr id="2" name="Pladsholder til slidebillede 1"/>
+          <p:cNvSpPr>
+            <a:spLocks noGrp="1" noRot="1" noChangeAspect="1"/>
+          </p:cNvSpPr>
+          <p:nvPr>
+            <p:ph type="sldImg"/>
+          </p:nvPr>
+        </p:nvSpPr>
+        <p:spPr/>
+        <p:txBody>
+          <a:bodyPr/>
+          <a:lstStyle/>
+          <a:p>
+            <a:endParaRPr lang="da-DK"/>
+          </a:p>
+        </p:txBody>
+      </p:sp>
+      <p:sp>
+        <p:nvSpPr>
+          <p:cNvPr id="3" name="Pladsholder til noter 2"/>
+          <p:cNvSpPr>
+            <a:spLocks noGrp="1"/>
+          </p:cNvSpPr>
+          <p:nvPr>
+            <p:ph type="body" idx="1"/>
+          </p:nvPr>
+        </p:nvSpPr>
+        <p:spPr/>
+        <p:txBody>
+          <a:bodyPr/>
+          <a:lstStyle/>
+          <a:p>
+            <a:pPr marL="0" marR="0" lvl="0" indent="0" algn="l" defTabSz="914400" rtl="0" eaLnBrk="1" fontAlgn="auto" latinLnBrk="0" hangingPunct="1">
+              <a:lnSpc>
+                <a:spcPct val="100000"/>
+              </a:lnSpc>
+              <a:spcBef>
+                <a:spcPts val="0"/>
+              </a:spcBef>
+              <a:spcAft>
+                <a:spcPts val="0"/>
+              </a:spcAft>
+              <a:buClrTx/>
+              <a:buSzTx/>
+              <a:buFontTx/>
+              <a:buNone/>
+              <a:tabLst/>
+              <a:defRPr/>
+            </a:pPr>
+            <a:r>
+              <a:rPr lang="da-DK" dirty="0"/>
+              <a:t>Alt kan bygges ovenpå Core uden at ændre eksisterende kode</a:t>
+            </a:r>
+          </a:p>
+          <a:p>
+            <a:endParaRPr lang="da-DK" dirty="0"/>
           </a:p>
         </p:txBody>
       </p:sp>
@@ -943,6 +1116,115 @@
             <a:fld id="{35BAF473-2665-42A7-89E3-C7BA7EB58D12}" type="slidenum">
               <a:rPr lang="da-DK" smtClean="0"/>
               <a:t>12</a:t>
+            </a:fld>
+            <a:endParaRPr lang="da-DK"/>
+          </a:p>
+        </p:txBody>
+      </p:sp>
+    </p:spTree>
+    <p:extLst>
+      <p:ext uri="{BB962C8B-B14F-4D97-AF65-F5344CB8AC3E}">
+        <p14:creationId xmlns:p14="http://schemas.microsoft.com/office/powerpoint/2010/main" val="3861977847"/>
+      </p:ext>
+    </p:extLst>
+  </p:cSld>
+  <p:clrMapOvr>
+    <a:masterClrMapping/>
+  </p:clrMapOvr>
+</p:notes>
+</file>
+
+<file path=ppt/notesSlides/notesSlide13.xml><?xml version="1.0" encoding="utf-8"?>
+<p:notes xmlns:a="http://schemas.openxmlformats.org/drawingml/2006/main" xmlns:r="http://schemas.openxmlformats.org/officeDocument/2006/relationships" xmlns:p="http://schemas.openxmlformats.org/presentationml/2006/main">
+  <p:cSld>
+    <p:spTree>
+      <p:nvGrpSpPr>
+        <p:cNvPr id="1" name=""/>
+        <p:cNvGrpSpPr/>
+        <p:nvPr/>
+      </p:nvGrpSpPr>
+      <p:grpSpPr>
+        <a:xfrm>
+          <a:off x="0" y="0"/>
+          <a:ext cx="0" cy="0"/>
+          <a:chOff x="0" y="0"/>
+          <a:chExt cx="0" cy="0"/>
+        </a:xfrm>
+      </p:grpSpPr>
+      <p:sp>
+        <p:nvSpPr>
+          <p:cNvPr id="2" name="Pladsholder til slidebillede 1"/>
+          <p:cNvSpPr>
+            <a:spLocks noGrp="1" noRot="1" noChangeAspect="1"/>
+          </p:cNvSpPr>
+          <p:nvPr>
+            <p:ph type="sldImg"/>
+          </p:nvPr>
+        </p:nvSpPr>
+        <p:spPr/>
+        <p:txBody>
+          <a:bodyPr/>
+          <a:lstStyle/>
+          <a:p>
+            <a:endParaRPr lang="da-DK"/>
+          </a:p>
+        </p:txBody>
+      </p:sp>
+      <p:sp>
+        <p:nvSpPr>
+          <p:cNvPr id="3" name="Pladsholder til noter 2"/>
+          <p:cNvSpPr>
+            <a:spLocks noGrp="1"/>
+          </p:cNvSpPr>
+          <p:nvPr>
+            <p:ph type="body" idx="1"/>
+          </p:nvPr>
+        </p:nvSpPr>
+        <p:spPr/>
+        <p:txBody>
+          <a:bodyPr/>
+          <a:lstStyle/>
+          <a:p>
+            <a:r>
+              <a:rPr lang="da-DK" b="1" dirty="0"/>
+              <a:t>“Hvad var det sværeste?”</a:t>
+            </a:r>
+          </a:p>
+          <a:p>
+            <a:r>
+              <a:rPr lang="da-DK" dirty="0"/>
+              <a:t>At udarbejde tests, da jeg egentligt ikke har arbejdet med </a:t>
+            </a:r>
+            <a:r>
+              <a:rPr lang="da-DK" dirty="0" err="1"/>
+              <a:t>MSTest</a:t>
+            </a:r>
+            <a:r>
+              <a:rPr lang="da-DK" dirty="0"/>
+              <a:t> før</a:t>
+            </a:r>
+          </a:p>
+        </p:txBody>
+      </p:sp>
+      <p:sp>
+        <p:nvSpPr>
+          <p:cNvPr id="4" name="Pladsholder til slidenummer 3"/>
+          <p:cNvSpPr>
+            <a:spLocks noGrp="1"/>
+          </p:cNvSpPr>
+          <p:nvPr>
+            <p:ph type="sldNum" sz="quarter" idx="5"/>
+          </p:nvPr>
+        </p:nvSpPr>
+        <p:spPr/>
+        <p:txBody>
+          <a:bodyPr/>
+          <a:lstStyle/>
+          <a:p>
+            <a:pPr rtl="0"/>
+            <a:fld id="{35BAF473-2665-42A7-89E3-C7BA7EB58D12}" type="slidenum">
+              <a:rPr lang="da-DK" smtClean="0"/>
+              <a:t>13</a:t>
             </a:fld>
             <a:endParaRPr lang="da-DK"/>
           </a:p>
@@ -989,25 +1271,58 @@
           </p:nvPr>
         </p:nvSpPr>
         <p:spPr/>
-      </p:sp>
-      <p:sp>
-        <p:nvSpPr>
-          <p:cNvPr id="3" name="Pladsholder til noter 2"/>
-          <p:cNvSpPr>
-            <a:spLocks noGrp="1"/>
-          </p:cNvSpPr>
-          <p:nvPr>
-            <p:ph type="body" idx="1"/>
-          </p:nvPr>
-        </p:nvSpPr>
-        <p:spPr/>
         <p:txBody>
           <a:bodyPr/>
           <a:lstStyle/>
           <a:p>
+            <a:endParaRPr lang="da-DK"/>
+          </a:p>
+        </p:txBody>
+      </p:sp>
+      <p:sp>
+        <p:nvSpPr>
+          <p:cNvPr id="3" name="Pladsholder til noter 2"/>
+          <p:cNvSpPr>
+            <a:spLocks noGrp="1"/>
+          </p:cNvSpPr>
+          <p:nvPr>
+            <p:ph type="body" idx="1"/>
+          </p:nvPr>
+        </p:nvSpPr>
+        <p:spPr/>
+        <p:txBody>
+          <a:bodyPr/>
+          <a:lstStyle/>
+          <a:p>
             <a:r>
               <a:rPr lang="da-DK" dirty="0"/>
-              <a:t>Det er en klassisk Blackjack, men bygget som softwareprojekt, ikke bare et spil.</a:t>
+              <a:t>CLI Konsol baseret, bygget som lagdelt software</a:t>
+            </a:r>
+          </a:p>
+          <a:p>
+            <a:endParaRPr lang="da-DK" dirty="0"/>
+          </a:p>
+          <a:p>
+            <a:r>
+              <a:rPr lang="da-DK" dirty="0"/>
+              <a:t>Core bruges direkte i UI / GUI hvis det havde været tilføjet</a:t>
+            </a:r>
+          </a:p>
+          <a:p>
+            <a:endParaRPr lang="da-DK" dirty="0"/>
+          </a:p>
+          <a:p>
+            <a:r>
+              <a:rPr lang="da-DK" dirty="0"/>
+              <a:t>CLI er kun </a:t>
+            </a:r>
+            <a:r>
+              <a:rPr lang="da-DK" dirty="0" err="1"/>
+              <a:t>frontend</a:t>
+            </a:r>
+            <a:r>
+              <a:rPr lang="da-DK" dirty="0"/>
+              <a:t>, og bruges da der ikke var nok tid til en grafisk udarbejdelse, og det var nok til et minimal product</a:t>
             </a:r>
           </a:p>
         </p:txBody>
@@ -1077,23 +1392,90 @@
           </p:nvPr>
         </p:nvSpPr>
         <p:spPr/>
-      </p:sp>
-      <p:sp>
-        <p:nvSpPr>
-          <p:cNvPr id="3" name="Pladsholder til noter 2"/>
-          <p:cNvSpPr>
-            <a:spLocks noGrp="1"/>
-          </p:cNvSpPr>
-          <p:nvPr>
-            <p:ph type="body" idx="1"/>
-          </p:nvPr>
-        </p:nvSpPr>
-        <p:spPr/>
         <p:txBody>
           <a:bodyPr/>
           <a:lstStyle/>
           <a:p>
             <a:endParaRPr lang="da-DK"/>
+          </a:p>
+        </p:txBody>
+      </p:sp>
+      <p:sp>
+        <p:nvSpPr>
+          <p:cNvPr id="3" name="Pladsholder til noter 2"/>
+          <p:cNvSpPr>
+            <a:spLocks noGrp="1"/>
+          </p:cNvSpPr>
+          <p:nvPr>
+            <p:ph type="body" idx="1"/>
+          </p:nvPr>
+        </p:nvSpPr>
+        <p:spPr/>
+        <p:txBody>
+          <a:bodyPr/>
+          <a:lstStyle/>
+          <a:p>
+            <a:pPr marL="0" marR="0" lvl="0" indent="0" algn="l" defTabSz="914400" rtl="0" eaLnBrk="1" fontAlgn="auto" latinLnBrk="0" hangingPunct="1">
+              <a:lnSpc>
+                <a:spcPct val="100000"/>
+              </a:lnSpc>
+              <a:spcBef>
+                <a:spcPts val="0"/>
+              </a:spcBef>
+              <a:spcAft>
+                <a:spcPts val="0"/>
+              </a:spcAft>
+              <a:buClrTx/>
+              <a:buSzTx/>
+              <a:buFontTx/>
+              <a:buNone/>
+              <a:tabLst/>
+              <a:defRPr/>
+            </a:pPr>
+            <a:r>
+              <a:rPr lang="da-DK" dirty="0"/>
+              <a:t>Kravene sagde hvad spillet skulle kunne. Jeg fokuserede på hvordan det er bygget.</a:t>
+            </a:r>
+          </a:p>
+          <a:p>
+            <a:endParaRPr lang="da-DK" dirty="0"/>
+          </a:p>
+          <a:p>
+            <a:r>
+              <a:rPr lang="da-DK" dirty="0"/>
+              <a:t>Opdeling i Core / CLI / Tests</a:t>
+            </a:r>
+          </a:p>
+          <a:p>
+            <a:endParaRPr lang="da-DK" dirty="0"/>
+          </a:p>
+          <a:p>
+            <a:r>
+              <a:rPr lang="da-DK" dirty="0" err="1"/>
+              <a:t>FakeDeck</a:t>
+            </a:r>
+            <a:endParaRPr lang="da-DK" dirty="0"/>
+          </a:p>
+          <a:p>
+            <a:endParaRPr lang="da-DK" dirty="0"/>
+          </a:p>
+          <a:p>
+            <a:r>
+              <a:rPr lang="da-DK" dirty="0"/>
+              <a:t>Automatiske tests</a:t>
+            </a:r>
+          </a:p>
+          <a:p>
+            <a:endParaRPr lang="da-DK" dirty="0"/>
+          </a:p>
+          <a:p>
+            <a:r>
+              <a:rPr lang="da-DK" dirty="0"/>
+              <a:t>Input-validering</a:t>
+            </a:r>
+          </a:p>
+          <a:p>
+            <a:endParaRPr lang="da-DK" dirty="0"/>
           </a:p>
         </p:txBody>
       </p:sp>
@@ -1162,23 +1544,49 @@
           </p:nvPr>
         </p:nvSpPr>
         <p:spPr/>
-      </p:sp>
-      <p:sp>
-        <p:nvSpPr>
-          <p:cNvPr id="3" name="Pladsholder til noter 2"/>
-          <p:cNvSpPr>
-            <a:spLocks noGrp="1"/>
-          </p:cNvSpPr>
-          <p:nvPr>
-            <p:ph type="body" idx="1"/>
-          </p:nvPr>
-        </p:nvSpPr>
-        <p:spPr/>
         <p:txBody>
           <a:bodyPr/>
           <a:lstStyle/>
           <a:p>
             <a:endParaRPr lang="da-DK"/>
+          </a:p>
+        </p:txBody>
+      </p:sp>
+      <p:sp>
+        <p:nvSpPr>
+          <p:cNvPr id="3" name="Pladsholder til noter 2"/>
+          <p:cNvSpPr>
+            <a:spLocks noGrp="1"/>
+          </p:cNvSpPr>
+          <p:nvPr>
+            <p:ph type="body" idx="1"/>
+          </p:nvPr>
+        </p:nvSpPr>
+        <p:spPr/>
+        <p:txBody>
+          <a:bodyPr/>
+          <a:lstStyle/>
+          <a:p>
+            <a:r>
+              <a:rPr lang="da-DK" dirty="0"/>
+              <a:t>Jeg har adskilt game </a:t>
+            </a:r>
+            <a:r>
+              <a:rPr lang="da-DK" dirty="0" err="1"/>
+              <a:t>logic</a:t>
+            </a:r>
+            <a:r>
+              <a:rPr lang="da-DK" dirty="0"/>
+              <a:t>, input og </a:t>
+            </a:r>
+            <a:r>
+              <a:rPr lang="da-DK" dirty="0" err="1"/>
+              <a:t>rendering</a:t>
+            </a:r>
+            <a:r>
+              <a:rPr lang="da-DK" dirty="0"/>
+              <a:t>, så hver klasse kun har én grund til at ændre sig.</a:t>
+            </a:r>
           </a:p>
         </p:txBody>
       </p:sp>
@@ -1247,23 +1655,70 @@
           </p:nvPr>
         </p:nvSpPr>
         <p:spPr/>
-      </p:sp>
-      <p:sp>
-        <p:nvSpPr>
-          <p:cNvPr id="3" name="Pladsholder til noter 2"/>
-          <p:cNvSpPr>
-            <a:spLocks noGrp="1"/>
-          </p:cNvSpPr>
-          <p:nvPr>
-            <p:ph type="body" idx="1"/>
-          </p:nvPr>
-        </p:nvSpPr>
-        <p:spPr/>
         <p:txBody>
           <a:bodyPr/>
           <a:lstStyle/>
           <a:p>
             <a:endParaRPr lang="da-DK"/>
+          </a:p>
+        </p:txBody>
+      </p:sp>
+      <p:sp>
+        <p:nvSpPr>
+          <p:cNvPr id="3" name="Pladsholder til noter 2"/>
+          <p:cNvSpPr>
+            <a:spLocks noGrp="1"/>
+          </p:cNvSpPr>
+          <p:nvPr>
+            <p:ph type="body" idx="1"/>
+          </p:nvPr>
+        </p:nvSpPr>
+        <p:spPr/>
+        <p:txBody>
+          <a:bodyPr/>
+          <a:lstStyle/>
+          <a:p>
+            <a:r>
+              <a:rPr lang="da-DK" dirty="0" err="1"/>
+              <a:t>ConsoleRenderer</a:t>
+            </a:r>
+            <a:r>
+              <a:rPr lang="da-DK" dirty="0"/>
+              <a:t> viser kun tekst. </a:t>
+            </a:r>
+            <a:r>
+              <a:rPr lang="da-DK" dirty="0" err="1"/>
+              <a:t>GameEngine</a:t>
+            </a:r>
+            <a:r>
+              <a:rPr lang="da-DK" dirty="0"/>
+              <a:t> styrer kun spil.</a:t>
+            </a:r>
+          </a:p>
+          <a:p>
+            <a:endParaRPr lang="da-DK" dirty="0"/>
+          </a:p>
+          <a:p>
+            <a:r>
+              <a:rPr lang="da-DK" dirty="0"/>
+              <a:t>I spillet er kort tilfældige.</a:t>
+            </a:r>
+            <a:br>
+              <a:rPr lang="da-DK" dirty="0"/>
+            </a:br>
+            <a:r>
+              <a:rPr lang="da-DK" dirty="0"/>
+              <a:t>I tests bestemmer jeg kortene.</a:t>
+            </a:r>
+          </a:p>
+          <a:p>
+            <a:endParaRPr lang="da-DK" dirty="0"/>
+          </a:p>
+          <a:p>
+            <a:r>
+              <a:rPr lang="da-DK" dirty="0"/>
+              <a:t>Ellers kan man ikke teste regler pålideligt.</a:t>
+            </a:r>
           </a:p>
         </p:txBody>
       </p:sp>
@@ -1332,23 +1787,47 @@
           </p:nvPr>
         </p:nvSpPr>
         <p:spPr/>
-      </p:sp>
-      <p:sp>
-        <p:nvSpPr>
-          <p:cNvPr id="3" name="Pladsholder til noter 2"/>
-          <p:cNvSpPr>
-            <a:spLocks noGrp="1"/>
-          </p:cNvSpPr>
-          <p:nvPr>
-            <p:ph type="body" idx="1"/>
-          </p:nvPr>
-        </p:nvSpPr>
-        <p:spPr/>
         <p:txBody>
           <a:bodyPr/>
           <a:lstStyle/>
           <a:p>
             <a:endParaRPr lang="da-DK"/>
+          </a:p>
+        </p:txBody>
+      </p:sp>
+      <p:sp>
+        <p:nvSpPr>
+          <p:cNvPr id="3" name="Pladsholder til noter 2"/>
+          <p:cNvSpPr>
+            <a:spLocks noGrp="1"/>
+          </p:cNvSpPr>
+          <p:nvPr>
+            <p:ph type="body" idx="1"/>
+          </p:nvPr>
+        </p:nvSpPr>
+        <p:spPr/>
+        <p:txBody>
+          <a:bodyPr/>
+          <a:lstStyle/>
+          <a:p>
+            <a:r>
+              <a:rPr lang="da-DK" dirty="0"/>
+              <a:t>Unit tests her fokuserer på logikkens adfærd, ikke selve UI, da det blot viser hvad der sker i koden. Derfor er </a:t>
+            </a:r>
+            <a:r>
+              <a:rPr lang="da-DK" dirty="0" err="1"/>
+              <a:t>MSTest</a:t>
+            </a:r>
+            <a:r>
+              <a:rPr lang="da-DK" dirty="0"/>
+              <a:t> nok til at bekræfte funktioner.</a:t>
+            </a:r>
+          </a:p>
+          <a:p>
+            <a:endParaRPr lang="da-DK" dirty="0"/>
+          </a:p>
+          <a:p>
+            <a:endParaRPr lang="da-DK" dirty="0"/>
           </a:p>
         </p:txBody>
       </p:sp>
@@ -1408,24 +1887,12 @@
       </p:grpSpPr>
       <p:sp>
         <p:nvSpPr>
-          <p:cNvPr id="2" name="Pladsholder til slidebillede 1"/>
+          <p:cNvPr id="2" name="Slide Image Placeholder 1"/>
           <p:cNvSpPr>
             <a:spLocks noGrp="1" noRot="1" noChangeAspect="1"/>
           </p:cNvSpPr>
           <p:nvPr>
             <p:ph type="sldImg"/>
-          </p:nvPr>
-        </p:nvSpPr>
-        <p:spPr/>
-      </p:sp>
-      <p:sp>
-        <p:nvSpPr>
-          <p:cNvPr id="3" name="Pladsholder til noter 2"/>
-          <p:cNvSpPr>
-            <a:spLocks noGrp="1"/>
-          </p:cNvSpPr>
-          <p:nvPr>
-            <p:ph type="body" idx="1"/>
           </p:nvPr>
         </p:nvSpPr>
         <p:spPr/>
@@ -1439,12 +1906,12 @@
       </p:sp>
       <p:sp>
         <p:nvSpPr>
-          <p:cNvPr id="4" name="Pladsholder til slidenummer 3"/>
-          <p:cNvSpPr>
-            <a:spLocks noGrp="1"/>
-          </p:cNvSpPr>
-          <p:nvPr>
-            <p:ph type="sldNum" sz="quarter" idx="5"/>
+          <p:cNvPr id="3" name="Notes Placeholder 2"/>
+          <p:cNvSpPr>
+            <a:spLocks noGrp="1"/>
+          </p:cNvSpPr>
+          <p:nvPr>
+            <p:ph type="body" idx="1"/>
           </p:nvPr>
         </p:nvSpPr>
         <p:spPr/>
@@ -1452,19 +1919,89 @@
           <a:bodyPr/>
           <a:lstStyle/>
           <a:p>
+            <a:r>
+              <a:rPr lang="da-DK" dirty="0"/>
+              <a:t>Selve værdien af Es er normalt 11, es-</a:t>
+            </a:r>
+            <a:r>
+              <a:rPr lang="da-DK" dirty="0" err="1"/>
+              <a:t>loggiken</a:t>
+            </a:r>
+            <a:r>
+              <a:rPr lang="da-DK" dirty="0"/>
+              <a:t> gør at 11 ændres til 1 hvis es er til stede og hånden bliver større end 21.</a:t>
+            </a:r>
+          </a:p>
+          <a:p>
+            <a:endParaRPr lang="da-DK" dirty="0"/>
+          </a:p>
+          <a:p>
+            <a:endParaRPr lang="da-DK" dirty="0"/>
+          </a:p>
+          <a:p>
+            <a:r>
+              <a:rPr lang="da-DK" dirty="0"/>
+              <a:t>I Tests giver </a:t>
+            </a:r>
+            <a:r>
+              <a:rPr lang="da-DK" dirty="0" err="1"/>
+              <a:t>FakeDeck</a:t>
+            </a:r>
+            <a:r>
+              <a:rPr lang="da-DK" dirty="0"/>
+              <a:t> forudbestemte kort, for at bevise at reglerne virker. </a:t>
+            </a:r>
+          </a:p>
+          <a:p>
+            <a:r>
+              <a:rPr lang="da-DK" dirty="0"/>
+              <a:t>Denne kode bliver kørt i en Shell game engine, hvor </a:t>
+            </a:r>
+            <a:r>
+              <a:rPr lang="da-DK" dirty="0" err="1"/>
+              <a:t>shuffle</a:t>
+            </a:r>
+            <a:r>
+              <a:rPr lang="da-DK" dirty="0"/>
+              <a:t> ikke er i brug.</a:t>
+            </a:r>
+          </a:p>
+          <a:p>
+            <a:endParaRPr lang="da-DK" dirty="0"/>
+          </a:p>
+          <a:p>
+            <a:endParaRPr lang="da-DK" dirty="0"/>
+          </a:p>
+        </p:txBody>
+      </p:sp>
+      <p:sp>
+        <p:nvSpPr>
+          <p:cNvPr id="4" name="Slide Number Placeholder 3"/>
+          <p:cNvSpPr>
+            <a:spLocks noGrp="1"/>
+          </p:cNvSpPr>
+          <p:nvPr>
+            <p:ph type="sldNum" sz="quarter" idx="5"/>
+          </p:nvPr>
+        </p:nvSpPr>
+        <p:spPr/>
+        <p:txBody>
+          <a:bodyPr/>
+          <a:lstStyle/>
+          <a:p>
             <a:pPr rtl="0"/>
             <a:fld id="{35BAF473-2665-42A7-89E3-C7BA7EB58D12}" type="slidenum">
-              <a:rPr lang="da-DK" smtClean="0"/>
-              <a:t>8</a:t>
+              <a:rPr lang="da-DK" noProof="0" smtClean="0"/>
+              <a:t>7</a:t>
             </a:fld>
-            <a:endParaRPr lang="da-DK"/>
+            <a:endParaRPr lang="da-DK" noProof="0"/>
           </a:p>
         </p:txBody>
       </p:sp>
     </p:spTree>
     <p:extLst>
       <p:ext uri="{BB962C8B-B14F-4D97-AF65-F5344CB8AC3E}">
-        <p14:creationId xmlns:p14="http://schemas.microsoft.com/office/powerpoint/2010/main" val="1989458767"/>
+        <p14:creationId xmlns:p14="http://schemas.microsoft.com/office/powerpoint/2010/main" val="861602710"/>
       </p:ext>
     </p:extLst>
   </p:cSld>
@@ -1493,24 +2030,12 @@
       </p:grpSpPr>
       <p:sp>
         <p:nvSpPr>
-          <p:cNvPr id="2" name="Pladsholder til slidebillede 1"/>
+          <p:cNvPr id="2" name="Slide Image Placeholder 1"/>
           <p:cNvSpPr>
             <a:spLocks noGrp="1" noRot="1" noChangeAspect="1"/>
           </p:cNvSpPr>
           <p:nvPr>
             <p:ph type="sldImg"/>
-          </p:nvPr>
-        </p:nvSpPr>
-        <p:spPr/>
-      </p:sp>
-      <p:sp>
-        <p:nvSpPr>
-          <p:cNvPr id="3" name="Pladsholder til noter 2"/>
-          <p:cNvSpPr>
-            <a:spLocks noGrp="1"/>
-          </p:cNvSpPr>
-          <p:nvPr>
-            <p:ph type="body" idx="1"/>
           </p:nvPr>
         </p:nvSpPr>
         <p:spPr/>
@@ -1524,12 +2049,12 @@
       </p:sp>
       <p:sp>
         <p:nvSpPr>
-          <p:cNvPr id="4" name="Pladsholder til slidenummer 3"/>
-          <p:cNvSpPr>
-            <a:spLocks noGrp="1"/>
-          </p:cNvSpPr>
-          <p:nvPr>
-            <p:ph type="sldNum" sz="quarter" idx="5"/>
+          <p:cNvPr id="3" name="Notes Placeholder 2"/>
+          <p:cNvSpPr>
+            <a:spLocks noGrp="1"/>
+          </p:cNvSpPr>
+          <p:nvPr>
+            <p:ph type="body" idx="1"/>
           </p:nvPr>
         </p:nvSpPr>
         <p:spPr/>
@@ -1537,19 +2062,100 @@
           <a:bodyPr/>
           <a:lstStyle/>
           <a:p>
+            <a:r>
+              <a:rPr lang="da-DK" dirty="0" err="1"/>
+              <a:t>Coverage</a:t>
+            </a:r>
+            <a:r>
+              <a:rPr lang="da-DK" dirty="0"/>
+              <a:t>-rapporten viser, hvor stor en del af koden der bliver kørt af mine automatiske tests.</a:t>
+            </a:r>
+          </a:p>
+          <a:p>
+            <a:endParaRPr lang="da-DK" dirty="0"/>
+          </a:p>
+          <a:p>
+            <a:r>
+              <a:rPr lang="da-DK" dirty="0" err="1"/>
+              <a:t>FakeDeck</a:t>
+            </a:r>
+            <a:r>
+              <a:rPr lang="da-DK" dirty="0"/>
+              <a:t> dækker Deck</a:t>
+            </a:r>
+          </a:p>
+          <a:p>
+            <a:endParaRPr lang="da-DK" dirty="0"/>
+          </a:p>
+          <a:p>
+            <a:r>
+              <a:rPr lang="da-DK" dirty="0" err="1"/>
+              <a:t>Suit</a:t>
+            </a:r>
+            <a:r>
+              <a:rPr lang="da-DK" dirty="0"/>
+              <a:t> indgår ikke i tests, da kulør ikke påvirker spilreglerne og allerede er fastlagt i testdata.</a:t>
+            </a:r>
+          </a:p>
+          <a:p>
+            <a:endParaRPr lang="da-DK" dirty="0"/>
+          </a:p>
+          <a:p>
+            <a:r>
+              <a:rPr lang="da-DK" dirty="0" err="1"/>
+              <a:t>IReadOnlyList</a:t>
+            </a:r>
+            <a:r>
+              <a:rPr lang="da-DK" dirty="0"/>
+              <a:t> beskytter domænemodellen, men tests er </a:t>
+            </a:r>
+            <a:r>
+              <a:rPr lang="da-DK" dirty="0" err="1"/>
+              <a:t>trusted</a:t>
+            </a:r>
+            <a:r>
+              <a:rPr lang="da-DK" dirty="0"/>
+              <a:t> </a:t>
+            </a:r>
+            <a:r>
+              <a:rPr lang="da-DK" dirty="0" err="1"/>
+              <a:t>code</a:t>
+            </a:r>
+            <a:r>
+              <a:rPr lang="da-DK" dirty="0"/>
+              <a:t>.</a:t>
+            </a:r>
+          </a:p>
+        </p:txBody>
+      </p:sp>
+      <p:sp>
+        <p:nvSpPr>
+          <p:cNvPr id="4" name="Slide Number Placeholder 3"/>
+          <p:cNvSpPr>
+            <a:spLocks noGrp="1"/>
+          </p:cNvSpPr>
+          <p:nvPr>
+            <p:ph type="sldNum" sz="quarter" idx="5"/>
+          </p:nvPr>
+        </p:nvSpPr>
+        <p:spPr/>
+        <p:txBody>
+          <a:bodyPr/>
+          <a:lstStyle/>
+          <a:p>
             <a:pPr rtl="0"/>
             <a:fld id="{35BAF473-2665-42A7-89E3-C7BA7EB58D12}" type="slidenum">
-              <a:rPr lang="da-DK" smtClean="0"/>
-              <a:t>9</a:t>
+              <a:rPr lang="da-DK" noProof="0" smtClean="0"/>
+              <a:t>8</a:t>
             </a:fld>
-            <a:endParaRPr lang="da-DK"/>
+            <a:endParaRPr lang="da-DK" noProof="0"/>
           </a:p>
         </p:txBody>
       </p:sp>
     </p:spTree>
     <p:extLst>
       <p:ext uri="{BB962C8B-B14F-4D97-AF65-F5344CB8AC3E}">
-        <p14:creationId xmlns:p14="http://schemas.microsoft.com/office/powerpoint/2010/main" val="1225985252"/>
+        <p14:creationId xmlns:p14="http://schemas.microsoft.com/office/powerpoint/2010/main" val="661325182"/>
       </p:ext>
     </p:extLst>
   </p:cSld>
@@ -1587,23 +2193,71 @@
           </p:nvPr>
         </p:nvSpPr>
         <p:spPr/>
-      </p:sp>
-      <p:sp>
-        <p:nvSpPr>
-          <p:cNvPr id="3" name="Pladsholder til noter 2"/>
-          <p:cNvSpPr>
-            <a:spLocks noGrp="1"/>
-          </p:cNvSpPr>
-          <p:nvPr>
-            <p:ph type="body" idx="1"/>
-          </p:nvPr>
-        </p:nvSpPr>
-        <p:spPr/>
         <p:txBody>
           <a:bodyPr/>
           <a:lstStyle/>
           <a:p>
             <a:endParaRPr lang="da-DK"/>
+          </a:p>
+        </p:txBody>
+      </p:sp>
+      <p:sp>
+        <p:nvSpPr>
+          <p:cNvPr id="3" name="Pladsholder til noter 2"/>
+          <p:cNvSpPr>
+            <a:spLocks noGrp="1"/>
+          </p:cNvSpPr>
+          <p:nvPr>
+            <p:ph type="body" idx="1"/>
+          </p:nvPr>
+        </p:nvSpPr>
+        <p:spPr/>
+        <p:txBody>
+          <a:bodyPr/>
+          <a:lstStyle/>
+          <a:p>
+            <a:r>
+              <a:rPr lang="da-DK" dirty="0"/>
+              <a:t>Strukturen blev udarbejdet først, med fokus på filstruktur som 1, spilregler som 2, game engine som 3, tests som 4, og UI som 5. </a:t>
+            </a:r>
+          </a:p>
+          <a:p>
+            <a:r>
+              <a:rPr lang="da-DK" dirty="0"/>
+              <a:t>Dette var for at skabe overblik over projektet, og arbejde med det målrettet i rækkefølge.</a:t>
+            </a:r>
+          </a:p>
+          <a:p>
+            <a:endParaRPr lang="da-DK" dirty="0"/>
+          </a:p>
+          <a:p>
+            <a:r>
+              <a:rPr lang="da-DK" dirty="0"/>
+              <a:t>Tests kom så snart logik var færdigt, for at vide tidligt om det fungerer, før det overhovedet blev implementeret i UI.</a:t>
+            </a:r>
+          </a:p>
+          <a:p>
+            <a:endParaRPr lang="da-DK" dirty="0"/>
+          </a:p>
+          <a:p>
+            <a:r>
+              <a:rPr lang="da-DK" dirty="0"/>
+              <a:t>Dokumentation i form af </a:t>
+            </a:r>
+            <a:r>
+              <a:rPr lang="da-DK" dirty="0" err="1"/>
+              <a:t>Tidsregistration</a:t>
+            </a:r>
+            <a:r>
+              <a:rPr lang="da-DK" dirty="0"/>
+              <a:t> og Fremgangsmåde blev udført undervejs.</a:t>
+            </a:r>
+          </a:p>
+          <a:p>
+            <a:endParaRPr lang="da-DK" dirty="0"/>
+          </a:p>
+          <a:p>
+            <a:endParaRPr lang="da-DK" dirty="0"/>
           </a:p>
         </p:txBody>
       </p:sp>
@@ -1625,7 +2279,7 @@
             <a:pPr rtl="0"/>
             <a:fld id="{35BAF473-2665-42A7-89E3-C7BA7EB58D12}" type="slidenum">
               <a:rPr lang="da-DK" smtClean="0"/>
-              <a:t>10</a:t>
+              <a:t>9</a:t>
             </a:fld>
             <a:endParaRPr lang="da-DK"/>
           </a:p>
@@ -1634,7 +2288,7 @@
     </p:spTree>
     <p:extLst>
       <p:ext uri="{BB962C8B-B14F-4D97-AF65-F5344CB8AC3E}">
-        <p14:creationId xmlns:p14="http://schemas.microsoft.com/office/powerpoint/2010/main" val="1185115244"/>
+        <p14:creationId xmlns:p14="http://schemas.microsoft.com/office/powerpoint/2010/main" val="1989458767"/>
       </p:ext>
     </p:extLst>
   </p:cSld>
@@ -10016,10 +10670,122 @@
       </p:grpSpPr>
       <p:sp>
         <p:nvSpPr>
+          <p:cNvPr id="27" name="Titel 1">
+            <a:extLst>
+              <a:ext uri="{FF2B5EF4-FFF2-40B4-BE49-F238E27FC236}">
+                <a16:creationId xmlns:a16="http://schemas.microsoft.com/office/drawing/2014/main" id="{47C57BC2-D2D3-86A9-8E26-77B1EE32D859}"/>
+              </a:ext>
+            </a:extLst>
+          </p:cNvPr>
+          <p:cNvSpPr txBox="1">
+            <a:spLocks/>
+          </p:cNvSpPr>
+          <p:nvPr/>
+        </p:nvSpPr>
+        <p:spPr>
+          <a:xfrm>
+            <a:off x="838200" y="392239"/>
+            <a:ext cx="10515600" cy="1325563"/>
+          </a:xfrm>
+          <a:prstGeom prst="rect">
+            <a:avLst/>
+          </a:prstGeom>
+        </p:spPr>
+        <p:txBody>
+          <a:bodyPr vert="horz" lIns="91440" tIns="45720" rIns="91440" bIns="45720" rtlCol="0" anchor="ctr">
+            <a:normAutofit/>
+          </a:bodyPr>
+          <a:lstStyle>
+            <a:lvl1pPr algn="ctr" defTabSz="914400" rtl="0" eaLnBrk="1" latinLnBrk="0" hangingPunct="1">
+              <a:lnSpc>
+                <a:spcPct val="90000"/>
+              </a:lnSpc>
+              <a:spcBef>
+                <a:spcPct val="0"/>
+              </a:spcBef>
+              <a:buNone/>
+              <a:defRPr sz="4400" b="1" kern="1200">
+                <a:solidFill>
+                  <a:schemeClr val="bg1"/>
+                </a:solidFill>
+                <a:latin typeface="+mj-lt"/>
+                <a:ea typeface="+mj-ea"/>
+                <a:cs typeface="+mj-cs"/>
+              </a:defRPr>
+            </a:lvl1pPr>
+          </a:lstStyle>
+          <a:p>
+            <a:r>
+              <a:rPr lang="da-DK" dirty="0">
+                <a:solidFill>
+                  <a:schemeClr val="accent1">
+                    <a:lumMod val="50000"/>
+                  </a:schemeClr>
+                </a:solidFill>
+              </a:rPr>
+              <a:t>Demo</a:t>
+            </a:r>
+          </a:p>
+        </p:txBody>
+      </p:sp>
+      <p:sp>
+        <p:nvSpPr>
+          <p:cNvPr id="26" name="Rectangle 25">
+            <a:extLst>
+              <a:ext uri="{FF2B5EF4-FFF2-40B4-BE49-F238E27FC236}">
+                <a16:creationId xmlns:a16="http://schemas.microsoft.com/office/drawing/2014/main" id="{65858D11-56D8-03FE-009E-E6C9411A87EC}"/>
+              </a:ext>
+            </a:extLst>
+          </p:cNvPr>
+          <p:cNvSpPr/>
+          <p:nvPr/>
+        </p:nvSpPr>
+        <p:spPr>
+          <a:xfrm>
+            <a:off x="3136392" y="2020824"/>
+            <a:ext cx="5907024" cy="4407408"/>
+          </a:xfrm>
+          <a:prstGeom prst="rect">
+            <a:avLst/>
+          </a:prstGeom>
+          <a:solidFill>
+            <a:schemeClr val="accent4"/>
+          </a:solidFill>
+          <a:ln>
+            <a:noFill/>
+          </a:ln>
+        </p:spPr>
+        <p:style>
+          <a:lnRef idx="2">
+            <a:schemeClr val="accent1">
+              <a:shade val="15000"/>
+            </a:schemeClr>
+          </a:lnRef>
+          <a:fillRef idx="1">
+            <a:schemeClr val="accent1"/>
+          </a:fillRef>
+          <a:effectRef idx="0">
+            <a:schemeClr val="accent1"/>
+          </a:effectRef>
+          <a:fontRef idx="minor">
+            <a:schemeClr val="lt1"/>
+          </a:fontRef>
+        </p:style>
+        <p:txBody>
+          <a:bodyPr rtlCol="0" anchor="ctr"/>
+          <a:lstStyle/>
+          <a:p>
+            <a:pPr algn="ctr"/>
+            <a:endParaRPr lang="da-DK"/>
+          </a:p>
+        </p:txBody>
+      </p:sp>
+      <p:sp>
+        <p:nvSpPr>
           <p:cNvPr id="2" name="Titel 1">
             <a:extLst>
               <a:ext uri="{FF2B5EF4-FFF2-40B4-BE49-F238E27FC236}">
-                <a16:creationId xmlns:a16="http://schemas.microsoft.com/office/drawing/2014/main" id="{537E1C88-627C-4655-A4FB-0BB02EDB078A}"/>
+                <a16:creationId xmlns:a16="http://schemas.microsoft.com/office/drawing/2014/main" id="{75031FE9-9059-4FE8-B4AC-9771F23A1B89}"/>
               </a:ext>
             </a:extLst>
           </p:cNvPr>
@@ -10035,84 +10801,24 @@
           <a:bodyPr rtlCol="0"/>
           <a:lstStyle/>
           <a:p>
-            <a:r>
-              <a:rPr lang="da-DK" dirty="0"/>
-              <a:t>Hvad lærte jeg?</a:t>
-            </a:r>
-          </a:p>
-        </p:txBody>
-      </p:sp>
-      <p:sp>
-        <p:nvSpPr>
-          <p:cNvPr id="3" name="Pladsholder til indhold 2">
-            <a:extLst>
-              <a:ext uri="{FF2B5EF4-FFF2-40B4-BE49-F238E27FC236}">
-                <a16:creationId xmlns:a16="http://schemas.microsoft.com/office/drawing/2014/main" id="{033634FE-ADF0-4BC3-A0A9-447EA9DD096B}"/>
-              </a:ext>
-            </a:extLst>
-          </p:cNvPr>
-          <p:cNvSpPr>
-            <a:spLocks noGrp="1"/>
-          </p:cNvSpPr>
-          <p:nvPr>
-            <p:ph idx="1"/>
-          </p:nvPr>
-        </p:nvSpPr>
-        <p:spPr/>
-        <p:txBody>
-          <a:bodyPr vert="horz" lIns="91440" tIns="45720" rIns="91440" bIns="45720" rtlCol="0" anchor="t">
-            <a:normAutofit/>
-          </a:bodyPr>
-          <a:lstStyle/>
-          <a:p>
             <a:pPr rtl="0"/>
             <a:r>
-              <a:rPr lang="da-DK" dirty="0"/>
-              <a:t>Brug af </a:t>
-            </a:r>
-            <a:r>
-              <a:rPr lang="da-DK" dirty="0" err="1"/>
-              <a:t>MSTest</a:t>
-            </a:r>
-            <a:endParaRPr lang="da-DK" dirty="0"/>
-          </a:p>
-          <a:p>
-            <a:pPr rtl="0"/>
-            <a:r>
-              <a:rPr lang="da-DK" dirty="0" err="1"/>
-              <a:t>Coverage</a:t>
-            </a:r>
-            <a:r>
-              <a:rPr lang="da-DK" dirty="0"/>
-              <a:t> Reports</a:t>
-            </a:r>
-          </a:p>
-          <a:p>
-            <a:pPr rtl="0"/>
-            <a:r>
-              <a:rPr lang="da-DK" dirty="0"/>
-              <a:t>Planlægning</a:t>
-            </a:r>
-          </a:p>
-          <a:p>
-            <a:pPr rtl="0"/>
-            <a:r>
-              <a:rPr lang="da-DK" dirty="0"/>
-              <a:t>Struktur</a:t>
-            </a:r>
-          </a:p>
-          <a:p>
-            <a:pPr rtl="0"/>
-            <a:endParaRPr lang="da-DK" dirty="0"/>
-          </a:p>
-        </p:txBody>
-      </p:sp>
-      <p:sp>
-        <p:nvSpPr>
-          <p:cNvPr id="4" name="Pladsholder til dato 3">
-            <a:extLst>
-              <a:ext uri="{FF2B5EF4-FFF2-40B4-BE49-F238E27FC236}">
-                <a16:creationId xmlns:a16="http://schemas.microsoft.com/office/drawing/2014/main" id="{D93C0990-DED4-43F9-8B0F-41ABFD533293}"/>
+              <a:rPr lang="da-DK" dirty="0">
+                <a:solidFill>
+                  <a:schemeClr val="accent3"/>
+                </a:solidFill>
+              </a:rPr>
+              <a:t>Demo</a:t>
+            </a:r>
+          </a:p>
+        </p:txBody>
+      </p:sp>
+      <p:sp>
+        <p:nvSpPr>
+          <p:cNvPr id="113" name="Pladsholder til dato 112">
+            <a:extLst>
+              <a:ext uri="{FF2B5EF4-FFF2-40B4-BE49-F238E27FC236}">
+                <a16:creationId xmlns:a16="http://schemas.microsoft.com/office/drawing/2014/main" id="{7E8EF87C-1B5A-4A25-A610-FF5D18E265DE}"/>
               </a:ext>
             </a:extLst>
           </p:cNvPr>
@@ -10137,10 +10843,10 @@
       </p:sp>
       <p:sp>
         <p:nvSpPr>
-          <p:cNvPr id="5" name="Pladsholder til sidefod 4">
-            <a:extLst>
-              <a:ext uri="{FF2B5EF4-FFF2-40B4-BE49-F238E27FC236}">
-                <a16:creationId xmlns:a16="http://schemas.microsoft.com/office/drawing/2014/main" id="{3F344BF2-756E-40EF-B839-C3DBB55BEFE9}"/>
+          <p:cNvPr id="114" name="Pladsholder til sidefod 113">
+            <a:extLst>
+              <a:ext uri="{FF2B5EF4-FFF2-40B4-BE49-F238E27FC236}">
+                <a16:creationId xmlns:a16="http://schemas.microsoft.com/office/drawing/2014/main" id="{E1B2A7C1-7EE4-45F0-B54C-188E1133A98A}"/>
               </a:ext>
             </a:extLst>
           </p:cNvPr>
@@ -10165,10 +10871,10 @@
       </p:sp>
       <p:sp>
         <p:nvSpPr>
-          <p:cNvPr id="6" name="Pladsholder til slidenummer 5">
-            <a:extLst>
-              <a:ext uri="{FF2B5EF4-FFF2-40B4-BE49-F238E27FC236}">
-                <a16:creationId xmlns:a16="http://schemas.microsoft.com/office/drawing/2014/main" id="{9EF4E4AC-866E-41A9-AD13-857054D9095E}"/>
+          <p:cNvPr id="115" name="Pladsholder til slidenummer 114">
+            <a:extLst>
+              <a:ext uri="{FF2B5EF4-FFF2-40B4-BE49-F238E27FC236}">
+                <a16:creationId xmlns:a16="http://schemas.microsoft.com/office/drawing/2014/main" id="{47C21FD0-6144-422A-9727-F3249A6B5540}"/>
               </a:ext>
             </a:extLst>
           </p:cNvPr>
@@ -10194,10 +10900,41 @@
           </a:p>
         </p:txBody>
       </p:sp>
+      <p:pic>
+        <p:nvPicPr>
+          <p:cNvPr id="24" name="Picture 23">
+            <a:extLst>
+              <a:ext uri="{FF2B5EF4-FFF2-40B4-BE49-F238E27FC236}">
+                <a16:creationId xmlns:a16="http://schemas.microsoft.com/office/drawing/2014/main" id="{8318B8C4-A605-DAE8-1A58-53D0CB1F724A}"/>
+              </a:ext>
+            </a:extLst>
+          </p:cNvPr>
+          <p:cNvPicPr>
+            <a:picLocks noChangeAspect="1"/>
+          </p:cNvPicPr>
+          <p:nvPr/>
+        </p:nvPicPr>
+        <p:blipFill>
+          <a:blip r:embed="rId3"/>
+          <a:srcRect l="1" r="43124" b="19201"/>
+          <a:stretch>
+            <a:fillRect/>
+          </a:stretch>
+        </p:blipFill>
+        <p:spPr>
+          <a:xfrm>
+            <a:off x="3220726" y="2085891"/>
+            <a:ext cx="5750548" cy="4270459"/>
+          </a:xfrm>
+          <a:prstGeom prst="rect">
+            <a:avLst/>
+          </a:prstGeom>
+        </p:spPr>
+      </p:pic>
     </p:spTree>
     <p:extLst>
       <p:ext uri="{BB962C8B-B14F-4D97-AF65-F5344CB8AC3E}">
-        <p14:creationId xmlns:p14="http://schemas.microsoft.com/office/powerpoint/2010/main" val="1346372204"/>
+        <p14:creationId xmlns:p14="http://schemas.microsoft.com/office/powerpoint/2010/main" val="1593920805"/>
       </p:ext>
     </p:extLst>
   </p:cSld>
@@ -10229,7 +10966,7 @@
           <p:cNvPr id="2" name="Titel 1">
             <a:extLst>
               <a:ext uri="{FF2B5EF4-FFF2-40B4-BE49-F238E27FC236}">
-                <a16:creationId xmlns:a16="http://schemas.microsoft.com/office/drawing/2014/main" id="{38FFA191-5CCC-43CB-BD83-4F80ED362608}"/>
+                <a16:creationId xmlns:a16="http://schemas.microsoft.com/office/drawing/2014/main" id="{537E1C88-627C-4655-A4FB-0BB02EDB078A}"/>
               </a:ext>
             </a:extLst>
           </p:cNvPr>
@@ -10245,10 +10982,9 @@
           <a:bodyPr rtlCol="0"/>
           <a:lstStyle/>
           <a:p>
-            <a:pPr rtl="0"/>
             <a:r>
               <a:rPr lang="da-DK" dirty="0"/>
-              <a:t>Begrænsninger</a:t>
+              <a:t>Hvad lærte jeg?</a:t>
             </a:r>
           </a:p>
         </p:txBody>
@@ -10258,7 +10994,7 @@
           <p:cNvPr id="3" name="Pladsholder til indhold 2">
             <a:extLst>
               <a:ext uri="{FF2B5EF4-FFF2-40B4-BE49-F238E27FC236}">
-                <a16:creationId xmlns:a16="http://schemas.microsoft.com/office/drawing/2014/main" id="{E14BBEAF-B516-45F4-9EF6-A9F65111580F}"/>
+                <a16:creationId xmlns:a16="http://schemas.microsoft.com/office/drawing/2014/main" id="{033634FE-ADF0-4BC3-A0A9-447EA9DD096B}"/>
               </a:ext>
             </a:extLst>
           </p:cNvPr>
@@ -10269,126 +11005,61 @@
             <p:ph idx="1"/>
           </p:nvPr>
         </p:nvSpPr>
-        <p:spPr>
-          <a:xfrm>
-            <a:off x="1173480" y="4879291"/>
-            <a:ext cx="5684520" cy="1477059"/>
-          </a:xfrm>
-        </p:spPr>
+        <p:spPr/>
         <p:txBody>
           <a:bodyPr vert="horz" lIns="91440" tIns="45720" rIns="91440" bIns="45720" rtlCol="0" anchor="t">
-            <a:normAutofit fontScale="62500" lnSpcReduction="20000"/>
+            <a:normAutofit/>
           </a:bodyPr>
           <a:lstStyle/>
           <a:p>
-            <a:pPr marL="0" indent="0" rtl="0">
-              <a:buNone/>
-            </a:pPr>
-            <a:r>
-              <a:rPr lang="da-DK" dirty="0">
-                <a:latin typeface="ADLaM Display" panose="02010000000000000000" pitchFamily="2" charset="0"/>
-                <a:ea typeface="ADLaM Display" panose="02010000000000000000" pitchFamily="2" charset="0"/>
-                <a:cs typeface="ADLaM Display" panose="02010000000000000000" pitchFamily="2" charset="0"/>
-              </a:rPr>
-              <a:t>Ønskede tilføjelser</a:t>
-            </a:r>
-          </a:p>
-          <a:p>
-            <a:pPr marL="285750" indent="-285750" rtl="0">
-              <a:buFont typeface="Arial" panose="020B0604020202020204" pitchFamily="34" charset="0"/>
-              <a:buChar char="•"/>
-            </a:pPr>
-            <a:r>
-              <a:rPr lang="da-DK" dirty="0" err="1">
-                <a:latin typeface="ADLaM Display" panose="02010000000000000000" pitchFamily="2" charset="0"/>
-                <a:ea typeface="ADLaM Display" panose="02010000000000000000" pitchFamily="2" charset="0"/>
-                <a:cs typeface="ADLaM Display" panose="02010000000000000000" pitchFamily="2" charset="0"/>
-              </a:rPr>
-              <a:t>Betting</a:t>
-            </a:r>
-            <a:endParaRPr lang="da-DK" dirty="0">
-              <a:latin typeface="ADLaM Display" panose="02010000000000000000" pitchFamily="2" charset="0"/>
-              <a:ea typeface="ADLaM Display" panose="02010000000000000000" pitchFamily="2" charset="0"/>
-              <a:cs typeface="ADLaM Display" panose="02010000000000000000" pitchFamily="2" charset="0"/>
-            </a:endParaRPr>
-          </a:p>
-          <a:p>
-            <a:pPr marL="285750" indent="-285750" rtl="0">
-              <a:buFont typeface="Arial" panose="020B0604020202020204" pitchFamily="34" charset="0"/>
-              <a:buChar char="•"/>
-            </a:pPr>
-            <a:r>
-              <a:rPr lang="da-DK" dirty="0">
-                <a:latin typeface="ADLaM Display" panose="02010000000000000000" pitchFamily="2" charset="0"/>
-                <a:ea typeface="ADLaM Display" panose="02010000000000000000" pitchFamily="2" charset="0"/>
-                <a:cs typeface="ADLaM Display" panose="02010000000000000000" pitchFamily="2" charset="0"/>
-              </a:rPr>
-              <a:t>Split</a:t>
-            </a:r>
-          </a:p>
-          <a:p>
-            <a:pPr marL="285750" indent="-285750" rtl="0">
-              <a:buFont typeface="Arial" panose="020B0604020202020204" pitchFamily="34" charset="0"/>
-              <a:buChar char="•"/>
-            </a:pPr>
-            <a:r>
-              <a:rPr lang="da-DK" dirty="0">
-                <a:latin typeface="ADLaM Display" panose="02010000000000000000" pitchFamily="2" charset="0"/>
-                <a:ea typeface="ADLaM Display" panose="02010000000000000000" pitchFamily="2" charset="0"/>
-                <a:cs typeface="ADLaM Display" panose="02010000000000000000" pitchFamily="2" charset="0"/>
-              </a:rPr>
-              <a:t>Statistik</a:t>
-            </a:r>
-          </a:p>
-          <a:p>
-            <a:pPr marL="285750" indent="-285750" rtl="0">
-              <a:buFont typeface="Arial" panose="020B0604020202020204" pitchFamily="34" charset="0"/>
-              <a:buChar char="•"/>
-            </a:pPr>
-            <a:r>
-              <a:rPr lang="da-DK" dirty="0">
-                <a:latin typeface="ADLaM Display" panose="02010000000000000000" pitchFamily="2" charset="0"/>
-                <a:ea typeface="ADLaM Display" panose="02010000000000000000" pitchFamily="2" charset="0"/>
-                <a:cs typeface="ADLaM Display" panose="02010000000000000000" pitchFamily="2" charset="0"/>
-              </a:rPr>
-              <a:t>Grafisk interface</a:t>
-            </a:r>
-          </a:p>
-          <a:p>
-            <a:pPr marL="285750" indent="-285750" rtl="0">
-              <a:buFont typeface="Arial" panose="020B0604020202020204" pitchFamily="34" charset="0"/>
-              <a:buChar char="•"/>
-            </a:pPr>
-            <a:r>
-              <a:rPr lang="da-DK" dirty="0">
-                <a:latin typeface="ADLaM Display" panose="02010000000000000000" pitchFamily="2" charset="0"/>
-                <a:ea typeface="ADLaM Display" panose="02010000000000000000" pitchFamily="2" charset="0"/>
-                <a:cs typeface="ADLaM Display" panose="02010000000000000000" pitchFamily="2" charset="0"/>
-              </a:rPr>
-              <a:t>Multiplayer / </a:t>
-            </a:r>
-            <a:r>
-              <a:rPr lang="da-DK" dirty="0" err="1">
-                <a:latin typeface="ADLaM Display" panose="02010000000000000000" pitchFamily="2" charset="0"/>
-                <a:ea typeface="ADLaM Display" panose="02010000000000000000" pitchFamily="2" charset="0"/>
-                <a:cs typeface="ADLaM Display" panose="02010000000000000000" pitchFamily="2" charset="0"/>
-              </a:rPr>
-              <a:t>Bots</a:t>
-            </a:r>
-            <a:endParaRPr lang="da-DK" dirty="0">
-              <a:latin typeface="ADLaM Display" panose="02010000000000000000" pitchFamily="2" charset="0"/>
-              <a:ea typeface="ADLaM Display" panose="02010000000000000000" pitchFamily="2" charset="0"/>
-              <a:cs typeface="ADLaM Display" panose="02010000000000000000" pitchFamily="2" charset="0"/>
-            </a:endParaRPr>
-          </a:p>
-        </p:txBody>
-      </p:sp>
-      <p:sp>
-        <p:nvSpPr>
-          <p:cNvPr id="5" name="Pladsholder til dato 4">
-            <a:extLst>
-              <a:ext uri="{FF2B5EF4-FFF2-40B4-BE49-F238E27FC236}">
-                <a16:creationId xmlns:a16="http://schemas.microsoft.com/office/drawing/2014/main" id="{D0A31818-326D-4287-B1AE-435C12F07BDC}"/>
+            <a:pPr rtl="0"/>
+            <a:r>
+              <a:rPr lang="da-DK" dirty="0"/>
+              <a:t>Brug af </a:t>
+            </a:r>
+            <a:r>
+              <a:rPr lang="da-DK" dirty="0" err="1"/>
+              <a:t>MSTest</a:t>
+            </a:r>
+            <a:endParaRPr lang="da-DK" dirty="0"/>
+          </a:p>
+          <a:p>
+            <a:pPr rtl="0"/>
+            <a:r>
+              <a:rPr lang="da-DK" dirty="0" err="1"/>
+              <a:t>Coverage</a:t>
+            </a:r>
+            <a:r>
+              <a:rPr lang="da-DK" dirty="0"/>
+              <a:t> Reports</a:t>
+            </a:r>
+          </a:p>
+          <a:p>
+            <a:pPr rtl="0"/>
+            <a:r>
+              <a:rPr lang="da-DK" dirty="0"/>
+              <a:t>Planlægning</a:t>
+            </a:r>
+          </a:p>
+          <a:p>
+            <a:pPr rtl="0"/>
+            <a:r>
+              <a:rPr lang="da-DK" dirty="0"/>
+              <a:t>Struktur</a:t>
+            </a:r>
+          </a:p>
+          <a:p>
+            <a:pPr rtl="0"/>
+            <a:endParaRPr lang="da-DK" dirty="0"/>
+          </a:p>
+        </p:txBody>
+      </p:sp>
+      <p:sp>
+        <p:nvSpPr>
+          <p:cNvPr id="4" name="Pladsholder til dato 3">
+            <a:extLst>
+              <a:ext uri="{FF2B5EF4-FFF2-40B4-BE49-F238E27FC236}">
+                <a16:creationId xmlns:a16="http://schemas.microsoft.com/office/drawing/2014/main" id="{D93C0990-DED4-43F9-8B0F-41ABFD533293}"/>
               </a:ext>
             </a:extLst>
           </p:cNvPr>
@@ -10399,12 +11070,7 @@
             <p:ph type="dt" sz="half" idx="10"/>
           </p:nvPr>
         </p:nvSpPr>
-        <p:spPr>
-          <a:xfrm>
-            <a:off x="844296" y="6356350"/>
-            <a:ext cx="2743200" cy="365125"/>
-          </a:xfrm>
-        </p:spPr>
+        <p:spPr/>
         <p:txBody>
           <a:bodyPr rtlCol="0"/>
           <a:lstStyle/>
@@ -10418,10 +11084,10 @@
       </p:sp>
       <p:sp>
         <p:nvSpPr>
-          <p:cNvPr id="6" name="Pladsholder til sidefod 5">
-            <a:extLst>
-              <a:ext uri="{FF2B5EF4-FFF2-40B4-BE49-F238E27FC236}">
-                <a16:creationId xmlns:a16="http://schemas.microsoft.com/office/drawing/2014/main" id="{1317DFAA-582C-42B0-90C4-9DAA9C139299}"/>
+          <p:cNvPr id="5" name="Pladsholder til sidefod 4">
+            <a:extLst>
+              <a:ext uri="{FF2B5EF4-FFF2-40B4-BE49-F238E27FC236}">
+                <a16:creationId xmlns:a16="http://schemas.microsoft.com/office/drawing/2014/main" id="{3F344BF2-756E-40EF-B839-C3DBB55BEFE9}"/>
               </a:ext>
             </a:extLst>
           </p:cNvPr>
@@ -10446,10 +11112,10 @@
       </p:sp>
       <p:sp>
         <p:nvSpPr>
-          <p:cNvPr id="7" name="Pladsholder til slidenummer 6">
-            <a:extLst>
-              <a:ext uri="{FF2B5EF4-FFF2-40B4-BE49-F238E27FC236}">
-                <a16:creationId xmlns:a16="http://schemas.microsoft.com/office/drawing/2014/main" id="{3942E2BA-3D9C-4A41-A42E-C08CE009D7B6}"/>
+          <p:cNvPr id="6" name="Pladsholder til slidenummer 5">
+            <a:extLst>
+              <a:ext uri="{FF2B5EF4-FFF2-40B4-BE49-F238E27FC236}">
+                <a16:creationId xmlns:a16="http://schemas.microsoft.com/office/drawing/2014/main" id="{9EF4E4AC-866E-41A9-AD13-857054D9095E}"/>
               </a:ext>
             </a:extLst>
           </p:cNvPr>
@@ -10466,17 +11132,19 @@
           <a:lstStyle/>
           <a:p>
             <a:pPr rtl="0"/>
-            <a:r>
-              <a:rPr lang="da-DK" dirty="0"/>
-              <a:t>10</a:t>
-            </a:r>
+            <a:fld id="{B5CEABB6-07DC-46E8-9B57-56EC44A396E5}" type="slidenum">
+              <a:rPr lang="da-DK" smtClean="0"/>
+              <a:pPr rtl="0"/>
+              <a:t>11</a:t>
+            </a:fld>
+            <a:endParaRPr lang="da-DK"/>
           </a:p>
         </p:txBody>
       </p:sp>
     </p:spTree>
     <p:extLst>
       <p:ext uri="{BB962C8B-B14F-4D97-AF65-F5344CB8AC3E}">
-        <p14:creationId xmlns:p14="http://schemas.microsoft.com/office/powerpoint/2010/main" val="920173932"/>
+        <p14:creationId xmlns:p14="http://schemas.microsoft.com/office/powerpoint/2010/main" val="1346372204"/>
       </p:ext>
     </p:extLst>
   </p:cSld>
@@ -10508,15 +11176,15 @@
           <p:cNvPr id="2" name="Titel 1">
             <a:extLst>
               <a:ext uri="{FF2B5EF4-FFF2-40B4-BE49-F238E27FC236}">
-                <a16:creationId xmlns:a16="http://schemas.microsoft.com/office/drawing/2014/main" id="{BCCAEE93-8585-46D4-A7EC-F184E317CB2E}"/>
-              </a:ext>
-            </a:extLst>
-          </p:cNvPr>
-          <p:cNvSpPr>
-            <a:spLocks noGrp="1"/>
-          </p:cNvSpPr>
-          <p:nvPr>
-            <p:ph type="ctrTitle"/>
+                <a16:creationId xmlns:a16="http://schemas.microsoft.com/office/drawing/2014/main" id="{38FFA191-5CCC-43CB-BD83-4F80ED362608}"/>
+              </a:ext>
+            </a:extLst>
+          </p:cNvPr>
+          <p:cNvSpPr>
+            <a:spLocks noGrp="1"/>
+          </p:cNvSpPr>
+          <p:nvPr>
+            <p:ph type="title"/>
           </p:nvPr>
         </p:nvSpPr>
         <p:spPr/>
@@ -10526,7 +11194,299 @@
           <a:p>
             <a:pPr rtl="0"/>
             <a:r>
-              <a:rPr lang="da-DK"/>
+              <a:rPr lang="da-DK" dirty="0"/>
+              <a:t>Begrænsninger</a:t>
+            </a:r>
+          </a:p>
+        </p:txBody>
+      </p:sp>
+      <p:sp>
+        <p:nvSpPr>
+          <p:cNvPr id="3" name="Pladsholder til indhold 2">
+            <a:extLst>
+              <a:ext uri="{FF2B5EF4-FFF2-40B4-BE49-F238E27FC236}">
+                <a16:creationId xmlns:a16="http://schemas.microsoft.com/office/drawing/2014/main" id="{E14BBEAF-B516-45F4-9EF6-A9F65111580F}"/>
+              </a:ext>
+            </a:extLst>
+          </p:cNvPr>
+          <p:cNvSpPr>
+            <a:spLocks noGrp="1"/>
+          </p:cNvSpPr>
+          <p:nvPr>
+            <p:ph idx="1"/>
+          </p:nvPr>
+        </p:nvSpPr>
+        <p:spPr>
+          <a:xfrm>
+            <a:off x="1173480" y="4879291"/>
+            <a:ext cx="5684520" cy="1477059"/>
+          </a:xfrm>
+        </p:spPr>
+        <p:txBody>
+          <a:bodyPr vert="horz" lIns="91440" tIns="45720" rIns="91440" bIns="45720" rtlCol="0" anchor="t">
+            <a:normAutofit fontScale="62500" lnSpcReduction="20000"/>
+          </a:bodyPr>
+          <a:lstStyle/>
+          <a:p>
+            <a:pPr marL="0" indent="0" rtl="0">
+              <a:buNone/>
+            </a:pPr>
+            <a:r>
+              <a:rPr lang="da-DK" dirty="0">
+                <a:latin typeface="ADLaM Display" panose="02010000000000000000" pitchFamily="2" charset="0"/>
+                <a:ea typeface="ADLaM Display" panose="02010000000000000000" pitchFamily="2" charset="0"/>
+                <a:cs typeface="ADLaM Display" panose="02010000000000000000" pitchFamily="2" charset="0"/>
+              </a:rPr>
+              <a:t>Ønskede tilføjelser</a:t>
+            </a:r>
+          </a:p>
+          <a:p>
+            <a:pPr marL="285750" indent="-285750" rtl="0">
+              <a:buFont typeface="Arial" panose="020B0604020202020204" pitchFamily="34" charset="0"/>
+              <a:buChar char="•"/>
+            </a:pPr>
+            <a:r>
+              <a:rPr lang="da-DK" dirty="0" err="1">
+                <a:latin typeface="ADLaM Display" panose="02010000000000000000" pitchFamily="2" charset="0"/>
+                <a:ea typeface="ADLaM Display" panose="02010000000000000000" pitchFamily="2" charset="0"/>
+                <a:cs typeface="ADLaM Display" panose="02010000000000000000" pitchFamily="2" charset="0"/>
+              </a:rPr>
+              <a:t>Betting</a:t>
+            </a:r>
+            <a:endParaRPr lang="da-DK" dirty="0">
+              <a:latin typeface="ADLaM Display" panose="02010000000000000000" pitchFamily="2" charset="0"/>
+              <a:ea typeface="ADLaM Display" panose="02010000000000000000" pitchFamily="2" charset="0"/>
+              <a:cs typeface="ADLaM Display" panose="02010000000000000000" pitchFamily="2" charset="0"/>
+            </a:endParaRPr>
+          </a:p>
+          <a:p>
+            <a:pPr marL="285750" indent="-285750" rtl="0">
+              <a:buFont typeface="Arial" panose="020B0604020202020204" pitchFamily="34" charset="0"/>
+              <a:buChar char="•"/>
+            </a:pPr>
+            <a:r>
+              <a:rPr lang="da-DK" dirty="0">
+                <a:latin typeface="ADLaM Display" panose="02010000000000000000" pitchFamily="2" charset="0"/>
+                <a:ea typeface="ADLaM Display" panose="02010000000000000000" pitchFamily="2" charset="0"/>
+                <a:cs typeface="ADLaM Display" panose="02010000000000000000" pitchFamily="2" charset="0"/>
+              </a:rPr>
+              <a:t>Split</a:t>
+            </a:r>
+          </a:p>
+          <a:p>
+            <a:pPr marL="285750" indent="-285750" rtl="0">
+              <a:buFont typeface="Arial" panose="020B0604020202020204" pitchFamily="34" charset="0"/>
+              <a:buChar char="•"/>
+            </a:pPr>
+            <a:r>
+              <a:rPr lang="da-DK" dirty="0">
+                <a:latin typeface="ADLaM Display" panose="02010000000000000000" pitchFamily="2" charset="0"/>
+                <a:ea typeface="ADLaM Display" panose="02010000000000000000" pitchFamily="2" charset="0"/>
+                <a:cs typeface="ADLaM Display" panose="02010000000000000000" pitchFamily="2" charset="0"/>
+              </a:rPr>
+              <a:t>Statistik</a:t>
+            </a:r>
+          </a:p>
+          <a:p>
+            <a:pPr marL="285750" indent="-285750" rtl="0">
+              <a:buFont typeface="Arial" panose="020B0604020202020204" pitchFamily="34" charset="0"/>
+              <a:buChar char="•"/>
+            </a:pPr>
+            <a:r>
+              <a:rPr lang="da-DK" dirty="0">
+                <a:latin typeface="ADLaM Display" panose="02010000000000000000" pitchFamily="2" charset="0"/>
+                <a:ea typeface="ADLaM Display" panose="02010000000000000000" pitchFamily="2" charset="0"/>
+                <a:cs typeface="ADLaM Display" panose="02010000000000000000" pitchFamily="2" charset="0"/>
+              </a:rPr>
+              <a:t>Grafisk interface</a:t>
+            </a:r>
+          </a:p>
+          <a:p>
+            <a:pPr marL="285750" indent="-285750" rtl="0">
+              <a:buFont typeface="Arial" panose="020B0604020202020204" pitchFamily="34" charset="0"/>
+              <a:buChar char="•"/>
+            </a:pPr>
+            <a:r>
+              <a:rPr lang="da-DK" dirty="0">
+                <a:latin typeface="ADLaM Display" panose="02010000000000000000" pitchFamily="2" charset="0"/>
+                <a:ea typeface="ADLaM Display" panose="02010000000000000000" pitchFamily="2" charset="0"/>
+                <a:cs typeface="ADLaM Display" panose="02010000000000000000" pitchFamily="2" charset="0"/>
+              </a:rPr>
+              <a:t>Multiplayer / </a:t>
+            </a:r>
+            <a:r>
+              <a:rPr lang="da-DK" dirty="0" err="1">
+                <a:latin typeface="ADLaM Display" panose="02010000000000000000" pitchFamily="2" charset="0"/>
+                <a:ea typeface="ADLaM Display" panose="02010000000000000000" pitchFamily="2" charset="0"/>
+                <a:cs typeface="ADLaM Display" panose="02010000000000000000" pitchFamily="2" charset="0"/>
+              </a:rPr>
+              <a:t>Bots</a:t>
+            </a:r>
+            <a:endParaRPr lang="da-DK" dirty="0">
+              <a:latin typeface="ADLaM Display" panose="02010000000000000000" pitchFamily="2" charset="0"/>
+              <a:ea typeface="ADLaM Display" panose="02010000000000000000" pitchFamily="2" charset="0"/>
+              <a:cs typeface="ADLaM Display" panose="02010000000000000000" pitchFamily="2" charset="0"/>
+            </a:endParaRPr>
+          </a:p>
+        </p:txBody>
+      </p:sp>
+      <p:sp>
+        <p:nvSpPr>
+          <p:cNvPr id="5" name="Pladsholder til dato 4">
+            <a:extLst>
+              <a:ext uri="{FF2B5EF4-FFF2-40B4-BE49-F238E27FC236}">
+                <a16:creationId xmlns:a16="http://schemas.microsoft.com/office/drawing/2014/main" id="{D0A31818-326D-4287-B1AE-435C12F07BDC}"/>
+              </a:ext>
+            </a:extLst>
+          </p:cNvPr>
+          <p:cNvSpPr>
+            <a:spLocks noGrp="1"/>
+          </p:cNvSpPr>
+          <p:nvPr>
+            <p:ph type="dt" sz="half" idx="10"/>
+          </p:nvPr>
+        </p:nvSpPr>
+        <p:spPr>
+          <a:xfrm>
+            <a:off x="844296" y="6356350"/>
+            <a:ext cx="2743200" cy="365125"/>
+          </a:xfrm>
+        </p:spPr>
+        <p:txBody>
+          <a:bodyPr rtlCol="0"/>
+          <a:lstStyle/>
+          <a:p>
+            <a:r>
+              <a:rPr lang="da-DK" dirty="0"/>
+              <a:t>13/02/2026</a:t>
+            </a:r>
+          </a:p>
+        </p:txBody>
+      </p:sp>
+      <p:sp>
+        <p:nvSpPr>
+          <p:cNvPr id="6" name="Pladsholder til sidefod 5">
+            <a:extLst>
+              <a:ext uri="{FF2B5EF4-FFF2-40B4-BE49-F238E27FC236}">
+                <a16:creationId xmlns:a16="http://schemas.microsoft.com/office/drawing/2014/main" id="{1317DFAA-582C-42B0-90C4-9DAA9C139299}"/>
+              </a:ext>
+            </a:extLst>
+          </p:cNvPr>
+          <p:cNvSpPr>
+            <a:spLocks noGrp="1"/>
+          </p:cNvSpPr>
+          <p:nvPr>
+            <p:ph type="ftr" sz="quarter" idx="11"/>
+          </p:nvPr>
+        </p:nvSpPr>
+        <p:spPr/>
+        <p:txBody>
+          <a:bodyPr rtlCol="0"/>
+          <a:lstStyle/>
+          <a:p>
+            <a:r>
+              <a:rPr lang="da-DK" dirty="0"/>
+              <a:t>Specialisterne Projekt Præsentation</a:t>
+            </a:r>
+          </a:p>
+        </p:txBody>
+      </p:sp>
+      <p:sp>
+        <p:nvSpPr>
+          <p:cNvPr id="7" name="Pladsholder til slidenummer 6">
+            <a:extLst>
+              <a:ext uri="{FF2B5EF4-FFF2-40B4-BE49-F238E27FC236}">
+                <a16:creationId xmlns:a16="http://schemas.microsoft.com/office/drawing/2014/main" id="{3942E2BA-3D9C-4A41-A42E-C08CE009D7B6}"/>
+              </a:ext>
+            </a:extLst>
+          </p:cNvPr>
+          <p:cNvSpPr>
+            <a:spLocks noGrp="1"/>
+          </p:cNvSpPr>
+          <p:nvPr>
+            <p:ph type="sldNum" sz="quarter" idx="12"/>
+          </p:nvPr>
+        </p:nvSpPr>
+        <p:spPr/>
+        <p:txBody>
+          <a:bodyPr rtlCol="0"/>
+          <a:lstStyle/>
+          <a:p>
+            <a:pPr rtl="0"/>
+            <a:r>
+              <a:rPr lang="da-DK" dirty="0"/>
+              <a:t>10</a:t>
+            </a:r>
+          </a:p>
+        </p:txBody>
+      </p:sp>
+    </p:spTree>
+    <p:extLst>
+      <p:ext uri="{BB962C8B-B14F-4D97-AF65-F5344CB8AC3E}">
+        <p14:creationId xmlns:p14="http://schemas.microsoft.com/office/powerpoint/2010/main" val="920173932"/>
+      </p:ext>
+    </p:extLst>
+  </p:cSld>
+  <p:clrMapOvr>
+    <a:masterClrMapping/>
+  </p:clrMapOvr>
+</p:sld>
+</file>
+
+<file path=ppt/slides/slide13.xml><?xml version="1.0" encoding="utf-8"?>
+<p:sld xmlns:a="http://schemas.openxmlformats.org/drawingml/2006/main" xmlns:r="http://schemas.openxmlformats.org/officeDocument/2006/relationships" xmlns:p="http://schemas.openxmlformats.org/presentationml/2006/main">
+  <p:cSld>
+    <p:bg>
+      <p:bgPr>
+        <a:solidFill>
+          <a:schemeClr val="accent4"/>
+        </a:solidFill>
+        <a:effectLst/>
+      </p:bgPr>
+    </p:bg>
+    <p:spTree>
+      <p:nvGrpSpPr>
+        <p:cNvPr id="1" name=""/>
+        <p:cNvGrpSpPr/>
+        <p:nvPr/>
+      </p:nvGrpSpPr>
+      <p:grpSpPr>
+        <a:xfrm>
+          <a:off x="0" y="0"/>
+          <a:ext cx="0" cy="0"/>
+          <a:chOff x="0" y="0"/>
+          <a:chExt cx="0" cy="0"/>
+        </a:xfrm>
+      </p:grpSpPr>
+      <p:sp>
+        <p:nvSpPr>
+          <p:cNvPr id="2" name="Titel 1">
+            <a:extLst>
+              <a:ext uri="{FF2B5EF4-FFF2-40B4-BE49-F238E27FC236}">
+                <a16:creationId xmlns:a16="http://schemas.microsoft.com/office/drawing/2014/main" id="{BCCAEE93-8585-46D4-A7EC-F184E317CB2E}"/>
+              </a:ext>
+            </a:extLst>
+          </p:cNvPr>
+          <p:cNvSpPr>
+            <a:spLocks noGrp="1"/>
+          </p:cNvSpPr>
+          <p:nvPr>
+            <p:ph type="ctrTitle"/>
+          </p:nvPr>
+        </p:nvSpPr>
+        <p:spPr>
+          <a:xfrm>
+            <a:off x="838200" y="2313571"/>
+            <a:ext cx="4419600" cy="1659716"/>
+          </a:xfrm>
+        </p:spPr>
+        <p:txBody>
+          <a:bodyPr rtlCol="0"/>
+          <a:lstStyle/>
+          <a:p>
+            <a:pPr rtl="0"/>
+            <a:r>
+              <a:rPr lang="da-DK" dirty="0"/>
               <a:t>Tak</a:t>
             </a:r>
           </a:p>
@@ -10613,12 +11573,152 @@
             <a:fld id="{B5CEABB6-07DC-46E8-9B57-56EC44A396E5}" type="slidenum">
               <a:rPr lang="da-DK" smtClean="0"/>
               <a:pPr rtl="0"/>
-              <a:t>12</a:t>
+              <a:t>13</a:t>
             </a:fld>
             <a:endParaRPr lang="da-DK"/>
           </a:p>
         </p:txBody>
       </p:sp>
+      <p:sp>
+        <p:nvSpPr>
+          <p:cNvPr id="3" name="Titel 1">
+            <a:extLst>
+              <a:ext uri="{FF2B5EF4-FFF2-40B4-BE49-F238E27FC236}">
+                <a16:creationId xmlns:a16="http://schemas.microsoft.com/office/drawing/2014/main" id="{DEF5F62A-066C-EB7D-0BF6-2D1411416EF4}"/>
+              </a:ext>
+            </a:extLst>
+          </p:cNvPr>
+          <p:cNvSpPr txBox="1">
+            <a:spLocks/>
+          </p:cNvSpPr>
+          <p:nvPr/>
+        </p:nvSpPr>
+        <p:spPr>
+          <a:xfrm>
+            <a:off x="6934200" y="2313571"/>
+            <a:ext cx="4419600" cy="1659716"/>
+          </a:xfrm>
+          <a:prstGeom prst="rect">
+            <a:avLst/>
+          </a:prstGeom>
+        </p:spPr>
+        <p:txBody>
+          <a:bodyPr vert="horz" lIns="91440" tIns="45720" rIns="91440" bIns="45720" rtlCol="0" anchor="ctr">
+            <a:normAutofit/>
+          </a:bodyPr>
+          <a:lstStyle>
+            <a:lvl1pPr algn="ctr" defTabSz="914400" rtl="0" eaLnBrk="1" latinLnBrk="0" hangingPunct="1">
+              <a:lnSpc>
+                <a:spcPct val="90000"/>
+              </a:lnSpc>
+              <a:spcBef>
+                <a:spcPct val="0"/>
+              </a:spcBef>
+              <a:buNone/>
+              <a:defRPr sz="5400" b="1" kern="1200">
+                <a:solidFill>
+                  <a:schemeClr val="accent4"/>
+                </a:solidFill>
+                <a:latin typeface="+mj-lt"/>
+                <a:ea typeface="+mj-ea"/>
+                <a:cs typeface="+mj-cs"/>
+              </a:defRPr>
+            </a:lvl1pPr>
+          </a:lstStyle>
+          <a:p>
+            <a:r>
+              <a:rPr lang="da-DK" dirty="0">
+                <a:solidFill>
+                  <a:schemeClr val="bg1"/>
+                </a:solidFill>
+              </a:rPr>
+              <a:t>Spørgsmål?</a:t>
+            </a:r>
+          </a:p>
+        </p:txBody>
+      </p:sp>
+      <p:cxnSp>
+        <p:nvCxnSpPr>
+          <p:cNvPr id="6" name="Straight Connector 5">
+            <a:extLst>
+              <a:ext uri="{FF2B5EF4-FFF2-40B4-BE49-F238E27FC236}">
+                <a16:creationId xmlns:a16="http://schemas.microsoft.com/office/drawing/2014/main" id="{7C762316-478B-1BBC-86CE-0A360D1599EE}"/>
+              </a:ext>
+            </a:extLst>
+          </p:cNvPr>
+          <p:cNvCxnSpPr/>
+          <p:nvPr/>
+        </p:nvCxnSpPr>
+        <p:spPr>
+          <a:xfrm>
+            <a:off x="6096000" y="3584448"/>
+            <a:ext cx="5257800" cy="0"/>
+          </a:xfrm>
+          <a:prstGeom prst="line">
+            <a:avLst/>
+          </a:prstGeom>
+          <a:ln>
+            <a:solidFill>
+              <a:schemeClr val="bg1"/>
+            </a:solidFill>
+          </a:ln>
+        </p:spPr>
+        <p:style>
+          <a:lnRef idx="3">
+            <a:schemeClr val="accent1"/>
+          </a:lnRef>
+          <a:fillRef idx="0">
+            <a:schemeClr val="accent1"/>
+          </a:fillRef>
+          <a:effectRef idx="2">
+            <a:schemeClr val="accent1"/>
+          </a:effectRef>
+          <a:fontRef idx="minor">
+            <a:schemeClr val="tx1"/>
+          </a:fontRef>
+        </p:style>
+      </p:cxnSp>
+      <p:cxnSp>
+        <p:nvCxnSpPr>
+          <p:cNvPr id="5" name="Straight Connector 4">
+            <a:extLst>
+              <a:ext uri="{FF2B5EF4-FFF2-40B4-BE49-F238E27FC236}">
+                <a16:creationId xmlns:a16="http://schemas.microsoft.com/office/drawing/2014/main" id="{DA96D2DF-C767-4861-0284-56C3051A0DD7}"/>
+              </a:ext>
+            </a:extLst>
+          </p:cNvPr>
+          <p:cNvCxnSpPr/>
+          <p:nvPr/>
+        </p:nvCxnSpPr>
+        <p:spPr>
+          <a:xfrm>
+            <a:off x="838200" y="3584448"/>
+            <a:ext cx="5257800" cy="0"/>
+          </a:xfrm>
+          <a:prstGeom prst="line">
+            <a:avLst/>
+          </a:prstGeom>
+          <a:ln>
+            <a:solidFill>
+              <a:schemeClr val="accent4"/>
+            </a:solidFill>
+          </a:ln>
+        </p:spPr>
+        <p:style>
+          <a:lnRef idx="3">
+            <a:schemeClr val="accent1"/>
+          </a:lnRef>
+          <a:fillRef idx="0">
+            <a:schemeClr val="accent1"/>
+          </a:fillRef>
+          <a:effectRef idx="2">
+            <a:schemeClr val="accent1"/>
+          </a:effectRef>
+          <a:fontRef idx="minor">
+            <a:schemeClr val="tx1"/>
+          </a:fontRef>
+        </p:style>
+      </p:cxnSp>
     </p:spTree>
     <p:extLst>
       <p:ext uri="{BB962C8B-B14F-4D97-AF65-F5344CB8AC3E}">
@@ -11067,8 +12167,8 @@
         </p:nvSpPr>
         <p:spPr>
           <a:xfrm>
-            <a:off x="6486145" y="3584448"/>
-            <a:ext cx="2743200" cy="3229089"/>
+            <a:off x="6238879" y="3584448"/>
+            <a:ext cx="2990466" cy="2952090"/>
           </a:xfrm>
           <a:prstGeom prst="rect">
             <a:avLst/>
@@ -11535,7 +12635,22 @@
                 <a:ea typeface="ADLaM Display" panose="02010000000000000000" pitchFamily="2" charset="0"/>
                 <a:cs typeface="ADLaM Display" panose="02010000000000000000" pitchFamily="2" charset="0"/>
               </a:rPr>
-              <a:t>Tests = Automatisk kontrol</a:t>
+              <a:t>Tests = Automatiske tests</a:t>
+            </a:r>
+          </a:p>
+          <a:p>
+            <a:pPr rtl="0">
+              <a:lnSpc>
+                <a:spcPct val="150000"/>
+              </a:lnSpc>
+            </a:pPr>
+            <a:r>
+              <a:rPr lang="da-DK" dirty="0">
+                <a:latin typeface="ADLaM Display" panose="02010000000000000000" pitchFamily="2" charset="0"/>
+                <a:ea typeface="ADLaM Display" panose="02010000000000000000" pitchFamily="2" charset="0"/>
+                <a:cs typeface="ADLaM Display" panose="02010000000000000000" pitchFamily="2" charset="0"/>
+              </a:rPr>
+              <a:t>Single Responsibility Principle</a:t>
             </a:r>
           </a:p>
         </p:txBody>
@@ -12953,7 +14068,7 @@
           </p:nvPr>
         </p:nvPicPr>
         <p:blipFill>
-          <a:blip r:embed="rId2"/>
+          <a:blip r:embed="rId3"/>
           <a:stretch>
             <a:fillRect/>
           </a:stretch>
@@ -13070,7 +14185,7 @@
           <p:nvPr/>
         </p:nvPicPr>
         <p:blipFill>
-          <a:blip r:embed="rId3"/>
+          <a:blip r:embed="rId4"/>
           <a:stretch>
             <a:fillRect/>
           </a:stretch>
@@ -13100,7 +14215,7 @@
           <p:nvPr/>
         </p:nvPicPr>
         <p:blipFill>
-          <a:blip r:embed="rId4"/>
+          <a:blip r:embed="rId5"/>
           <a:stretch>
             <a:fillRect/>
           </a:stretch>
@@ -13221,6 +14336,513 @@
 </file>
 
 <file path=ppt/slides/slide8.xml><?xml version="1.0" encoding="utf-8"?>
+<p:sld xmlns:a="http://schemas.openxmlformats.org/drawingml/2006/main" xmlns:r="http://schemas.openxmlformats.org/officeDocument/2006/relationships" xmlns:p="http://schemas.openxmlformats.org/presentationml/2006/main">
+  <p:cSld>
+    <p:spTree>
+      <p:nvGrpSpPr>
+        <p:cNvPr id="1" name=""/>
+        <p:cNvGrpSpPr/>
+        <p:nvPr/>
+      </p:nvGrpSpPr>
+      <p:grpSpPr>
+        <a:xfrm>
+          <a:off x="0" y="0"/>
+          <a:ext cx="0" cy="0"/>
+          <a:chOff x="0" y="0"/>
+          <a:chExt cx="0" cy="0"/>
+        </a:xfrm>
+      </p:grpSpPr>
+      <p:pic>
+        <p:nvPicPr>
+          <p:cNvPr id="34" name="Picture 33">
+            <a:extLst>
+              <a:ext uri="{FF2B5EF4-FFF2-40B4-BE49-F238E27FC236}">
+                <a16:creationId xmlns:a16="http://schemas.microsoft.com/office/drawing/2014/main" id="{1CD0EE9B-0DA0-CDFE-DB00-4DB274141B1F}"/>
+              </a:ext>
+            </a:extLst>
+          </p:cNvPr>
+          <p:cNvPicPr>
+            <a:picLocks noChangeAspect="1"/>
+          </p:cNvPicPr>
+          <p:nvPr/>
+        </p:nvPicPr>
+        <p:blipFill>
+          <a:blip r:embed="rId3">
+            <a:alphaModFix amt="0"/>
+          </a:blip>
+          <a:stretch>
+            <a:fillRect/>
+          </a:stretch>
+        </p:blipFill>
+        <p:spPr>
+          <a:xfrm>
+            <a:off x="7747559" y="2298699"/>
+            <a:ext cx="4114800" cy="4167062"/>
+          </a:xfrm>
+          <a:prstGeom prst="rect">
+            <a:avLst/>
+          </a:prstGeom>
+          <a:solidFill>
+            <a:schemeClr val="accent4"/>
+          </a:solidFill>
+        </p:spPr>
+      </p:pic>
+      <p:pic>
+        <p:nvPicPr>
+          <p:cNvPr id="33" name="Picture 32">
+            <a:extLst>
+              <a:ext uri="{FF2B5EF4-FFF2-40B4-BE49-F238E27FC236}">
+                <a16:creationId xmlns:a16="http://schemas.microsoft.com/office/drawing/2014/main" id="{6934568E-148B-C9F5-96F8-B328C4341C78}"/>
+              </a:ext>
+            </a:extLst>
+          </p:cNvPr>
+          <p:cNvPicPr>
+            <a:picLocks noChangeAspect="1"/>
+          </p:cNvPicPr>
+          <p:nvPr/>
+        </p:nvPicPr>
+        <p:blipFill>
+          <a:blip r:embed="rId4">
+            <a:alphaModFix amt="0"/>
+          </a:blip>
+          <a:stretch>
+            <a:fillRect/>
+          </a:stretch>
+        </p:blipFill>
+        <p:spPr>
+          <a:xfrm>
+            <a:off x="3095849" y="3102190"/>
+            <a:ext cx="4564311" cy="2167129"/>
+          </a:xfrm>
+          <a:prstGeom prst="rect">
+            <a:avLst/>
+          </a:prstGeom>
+          <a:solidFill>
+            <a:schemeClr val="accent4"/>
+          </a:solidFill>
+        </p:spPr>
+      </p:pic>
+      <p:pic>
+        <p:nvPicPr>
+          <p:cNvPr id="32" name="Picture 31">
+            <a:extLst>
+              <a:ext uri="{FF2B5EF4-FFF2-40B4-BE49-F238E27FC236}">
+                <a16:creationId xmlns:a16="http://schemas.microsoft.com/office/drawing/2014/main" id="{FFC4A9BF-5051-CF7E-FDBD-02FB15175C49}"/>
+              </a:ext>
+            </a:extLst>
+          </p:cNvPr>
+          <p:cNvPicPr>
+            <a:picLocks noChangeAspect="1"/>
+          </p:cNvPicPr>
+          <p:nvPr/>
+        </p:nvPicPr>
+        <p:blipFill>
+          <a:blip r:embed="rId5">
+            <a:alphaModFix amt="0"/>
+          </a:blip>
+          <a:stretch>
+            <a:fillRect/>
+          </a:stretch>
+        </p:blipFill>
+        <p:spPr>
+          <a:xfrm>
+            <a:off x="41843" y="3086535"/>
+            <a:ext cx="2987321" cy="3771465"/>
+          </a:xfrm>
+          <a:prstGeom prst="rect">
+            <a:avLst/>
+          </a:prstGeom>
+          <a:solidFill>
+            <a:schemeClr val="accent4"/>
+          </a:solidFill>
+        </p:spPr>
+      </p:pic>
+      <p:pic>
+        <p:nvPicPr>
+          <p:cNvPr id="31" name="Picture 30">
+            <a:extLst>
+              <a:ext uri="{FF2B5EF4-FFF2-40B4-BE49-F238E27FC236}">
+                <a16:creationId xmlns:a16="http://schemas.microsoft.com/office/drawing/2014/main" id="{DD8905CA-EA71-6873-8076-BC6039995A01}"/>
+              </a:ext>
+            </a:extLst>
+          </p:cNvPr>
+          <p:cNvPicPr>
+            <a:picLocks noChangeAspect="1"/>
+          </p:cNvPicPr>
+          <p:nvPr/>
+        </p:nvPicPr>
+        <p:blipFill>
+          <a:blip r:embed="rId6">
+            <a:alphaModFix amt="0"/>
+            <a:extLst>
+              <a:ext uri="{BEBA8EAE-BF5A-486C-A8C5-ECC9F3942E4B}">
+                <a14:imgProps xmlns:a14="http://schemas.microsoft.com/office/drawing/2010/main">
+                  <a14:imgLayer r:embed="rId7">
+                    <a14:imgEffect>
+                      <a14:saturation sat="101000"/>
+                    </a14:imgEffect>
+                  </a14:imgLayer>
+                </a14:imgProps>
+              </a:ext>
+            </a:extLst>
+          </a:blip>
+          <a:stretch>
+            <a:fillRect/>
+          </a:stretch>
+        </p:blipFill>
+        <p:spPr>
+          <a:xfrm>
+            <a:off x="41844" y="2298699"/>
+            <a:ext cx="7717856" cy="803492"/>
+          </a:xfrm>
+          <a:prstGeom prst="rect">
+            <a:avLst/>
+          </a:prstGeom>
+          <a:solidFill>
+            <a:schemeClr val="accent4"/>
+          </a:solidFill>
+        </p:spPr>
+      </p:pic>
+      <p:sp>
+        <p:nvSpPr>
+          <p:cNvPr id="18" name="Titel 1">
+            <a:extLst>
+              <a:ext uri="{FF2B5EF4-FFF2-40B4-BE49-F238E27FC236}">
+                <a16:creationId xmlns:a16="http://schemas.microsoft.com/office/drawing/2014/main" id="{5830CB13-4963-4D83-3314-FFA0BD8D830D}"/>
+              </a:ext>
+            </a:extLst>
+          </p:cNvPr>
+          <p:cNvSpPr txBox="1">
+            <a:spLocks/>
+          </p:cNvSpPr>
+          <p:nvPr/>
+        </p:nvSpPr>
+        <p:spPr>
+          <a:xfrm>
+            <a:off x="838200" y="392239"/>
+            <a:ext cx="10515600" cy="1325563"/>
+          </a:xfrm>
+          <a:prstGeom prst="rect">
+            <a:avLst/>
+          </a:prstGeom>
+        </p:spPr>
+        <p:txBody>
+          <a:bodyPr vert="horz" lIns="91440" tIns="45720" rIns="91440" bIns="45720" rtlCol="0" anchor="ctr">
+            <a:normAutofit/>
+          </a:bodyPr>
+          <a:lstStyle>
+            <a:lvl1pPr algn="ctr" defTabSz="914400" rtl="0" eaLnBrk="1" latinLnBrk="0" hangingPunct="1">
+              <a:lnSpc>
+                <a:spcPct val="90000"/>
+              </a:lnSpc>
+              <a:spcBef>
+                <a:spcPct val="0"/>
+              </a:spcBef>
+              <a:buNone/>
+              <a:defRPr sz="4400" b="1" kern="1200">
+                <a:solidFill>
+                  <a:schemeClr val="bg1"/>
+                </a:solidFill>
+                <a:latin typeface="+mj-lt"/>
+                <a:ea typeface="+mj-ea"/>
+                <a:cs typeface="+mj-cs"/>
+              </a:defRPr>
+            </a:lvl1pPr>
+          </a:lstStyle>
+          <a:p>
+            <a:r>
+              <a:rPr lang="da-DK" dirty="0" err="1">
+                <a:solidFill>
+                  <a:schemeClr val="accent1">
+                    <a:lumMod val="50000"/>
+                  </a:schemeClr>
+                </a:solidFill>
+              </a:rPr>
+              <a:t>Coverage</a:t>
+            </a:r>
+            <a:r>
+              <a:rPr lang="da-DK" dirty="0">
+                <a:solidFill>
+                  <a:schemeClr val="accent1">
+                    <a:lumMod val="50000"/>
+                  </a:schemeClr>
+                </a:solidFill>
+              </a:rPr>
+              <a:t> Report</a:t>
+            </a:r>
+          </a:p>
+        </p:txBody>
+      </p:sp>
+      <p:sp>
+        <p:nvSpPr>
+          <p:cNvPr id="19" name="Titel 1">
+            <a:extLst>
+              <a:ext uri="{FF2B5EF4-FFF2-40B4-BE49-F238E27FC236}">
+                <a16:creationId xmlns:a16="http://schemas.microsoft.com/office/drawing/2014/main" id="{16A52A79-2264-253E-FCEE-8BB999DF5E46}"/>
+              </a:ext>
+            </a:extLst>
+          </p:cNvPr>
+          <p:cNvSpPr>
+            <a:spLocks noGrp="1"/>
+          </p:cNvSpPr>
+          <p:nvPr>
+            <p:ph type="title"/>
+          </p:nvPr>
+        </p:nvSpPr>
+        <p:spPr>
+          <a:xfrm>
+            <a:off x="838200" y="365125"/>
+            <a:ext cx="10515600" cy="1325563"/>
+          </a:xfrm>
+        </p:spPr>
+        <p:txBody>
+          <a:bodyPr rtlCol="0"/>
+          <a:lstStyle/>
+          <a:p>
+            <a:pPr rtl="0"/>
+            <a:r>
+              <a:rPr lang="da-DK" dirty="0" err="1">
+                <a:solidFill>
+                  <a:schemeClr val="accent3"/>
+                </a:solidFill>
+              </a:rPr>
+              <a:t>Coverage</a:t>
+            </a:r>
+            <a:r>
+              <a:rPr lang="da-DK" dirty="0">
+                <a:solidFill>
+                  <a:schemeClr val="accent3"/>
+                </a:solidFill>
+              </a:rPr>
+              <a:t> Report</a:t>
+            </a:r>
+          </a:p>
+        </p:txBody>
+      </p:sp>
+      <p:sp>
+        <p:nvSpPr>
+          <p:cNvPr id="11" name="Date Placeholder 10">
+            <a:extLst>
+              <a:ext uri="{FF2B5EF4-FFF2-40B4-BE49-F238E27FC236}">
+                <a16:creationId xmlns:a16="http://schemas.microsoft.com/office/drawing/2014/main" id="{BF014DC0-5B5D-DC59-092E-88AD8FF85867}"/>
+              </a:ext>
+            </a:extLst>
+          </p:cNvPr>
+          <p:cNvSpPr>
+            <a:spLocks noGrp="1"/>
+          </p:cNvSpPr>
+          <p:nvPr>
+            <p:ph type="dt" sz="half" idx="10"/>
+          </p:nvPr>
+        </p:nvSpPr>
+        <p:spPr/>
+        <p:txBody>
+          <a:bodyPr/>
+          <a:lstStyle/>
+          <a:p>
+            <a:r>
+              <a:rPr lang="da-DK" dirty="0"/>
+              <a:t>13/02/2026</a:t>
+            </a:r>
+          </a:p>
+        </p:txBody>
+      </p:sp>
+      <p:sp>
+        <p:nvSpPr>
+          <p:cNvPr id="12" name="Footer Placeholder 11">
+            <a:extLst>
+              <a:ext uri="{FF2B5EF4-FFF2-40B4-BE49-F238E27FC236}">
+                <a16:creationId xmlns:a16="http://schemas.microsoft.com/office/drawing/2014/main" id="{757B6EFD-76C5-AE45-7B82-1C1042B47146}"/>
+              </a:ext>
+            </a:extLst>
+          </p:cNvPr>
+          <p:cNvSpPr>
+            <a:spLocks noGrp="1"/>
+          </p:cNvSpPr>
+          <p:nvPr>
+            <p:ph type="ftr" sz="quarter" idx="11"/>
+          </p:nvPr>
+        </p:nvSpPr>
+        <p:spPr/>
+        <p:txBody>
+          <a:bodyPr/>
+          <a:lstStyle/>
+          <a:p>
+            <a:r>
+              <a:rPr lang="da-DK" dirty="0"/>
+              <a:t>Specialisterne Projekt Præsentation</a:t>
+            </a:r>
+          </a:p>
+        </p:txBody>
+      </p:sp>
+      <p:sp>
+        <p:nvSpPr>
+          <p:cNvPr id="13" name="Slide Number Placeholder 12">
+            <a:extLst>
+              <a:ext uri="{FF2B5EF4-FFF2-40B4-BE49-F238E27FC236}">
+                <a16:creationId xmlns:a16="http://schemas.microsoft.com/office/drawing/2014/main" id="{225D2455-B152-7934-C940-69D3408AE8B0}"/>
+              </a:ext>
+            </a:extLst>
+          </p:cNvPr>
+          <p:cNvSpPr>
+            <a:spLocks noGrp="1"/>
+          </p:cNvSpPr>
+          <p:nvPr>
+            <p:ph type="sldNum" sz="quarter" idx="12"/>
+          </p:nvPr>
+        </p:nvSpPr>
+        <p:spPr/>
+        <p:txBody>
+          <a:bodyPr/>
+          <a:lstStyle/>
+          <a:p>
+            <a:pPr rtl="0"/>
+            <a:fld id="{B5CEABB6-07DC-46E8-9B57-56EC44A396E5}" type="slidenum">
+              <a:rPr lang="da-DK" noProof="0" smtClean="0"/>
+              <a:pPr rtl="0"/>
+              <a:t>8</a:t>
+            </a:fld>
+            <a:endParaRPr lang="da-DK" noProof="0"/>
+          </a:p>
+        </p:txBody>
+      </p:sp>
+      <p:pic>
+        <p:nvPicPr>
+          <p:cNvPr id="21" name="Picture 20" descr="Hånd logik, IReadOnlyList bruges til at beskytte domænemodellen. Tests er allerede trusted code, så der er ingen grund til at beskytte dem mod sig selv.">
+            <a:extLst>
+              <a:ext uri="{FF2B5EF4-FFF2-40B4-BE49-F238E27FC236}">
+                <a16:creationId xmlns:a16="http://schemas.microsoft.com/office/drawing/2014/main" id="{150856E5-D43D-575B-4908-BC60910F227A}"/>
+              </a:ext>
+            </a:extLst>
+          </p:cNvPr>
+          <p:cNvPicPr>
+            <a:picLocks noChangeAspect="1"/>
+          </p:cNvPicPr>
+          <p:nvPr/>
+        </p:nvPicPr>
+        <p:blipFill>
+          <a:blip r:embed="rId3"/>
+          <a:stretch>
+            <a:fillRect/>
+          </a:stretch>
+        </p:blipFill>
+        <p:spPr>
+          <a:xfrm>
+            <a:off x="7814243" y="2358570"/>
+            <a:ext cx="3980065" cy="3997780"/>
+          </a:xfrm>
+          <a:prstGeom prst="rect">
+            <a:avLst/>
+          </a:prstGeom>
+        </p:spPr>
+      </p:pic>
+      <p:pic>
+        <p:nvPicPr>
+          <p:cNvPr id="25" name="Picture 24" descr="Kort logik, Suit tages ikke med i test da det bestemmes på forhånd">
+            <a:extLst>
+              <a:ext uri="{FF2B5EF4-FFF2-40B4-BE49-F238E27FC236}">
+                <a16:creationId xmlns:a16="http://schemas.microsoft.com/office/drawing/2014/main" id="{F24F3254-7D25-4E45-6D30-B63AF75CAC7D}"/>
+              </a:ext>
+              <a:ext uri="{C183D7F6-B498-43B3-948B-1728B52AA6E4}">
+                <adec:decorative xmlns:adec="http://schemas.microsoft.com/office/drawing/2017/decorative" val="0"/>
+              </a:ext>
+            </a:extLst>
+          </p:cNvPr>
+          <p:cNvPicPr>
+            <a:picLocks noChangeAspect="1"/>
+          </p:cNvPicPr>
+          <p:nvPr/>
+        </p:nvPicPr>
+        <p:blipFill>
+          <a:blip r:embed="rId4"/>
+          <a:stretch>
+            <a:fillRect/>
+          </a:stretch>
+        </p:blipFill>
+        <p:spPr>
+          <a:xfrm>
+            <a:off x="3183248" y="3102191"/>
+            <a:ext cx="4422369" cy="2091602"/>
+          </a:xfrm>
+          <a:prstGeom prst="rect">
+            <a:avLst/>
+          </a:prstGeom>
+        </p:spPr>
+      </p:pic>
+      <p:pic>
+        <p:nvPicPr>
+          <p:cNvPr id="27" name="Picture 26">
+            <a:extLst>
+              <a:ext uri="{FF2B5EF4-FFF2-40B4-BE49-F238E27FC236}">
+                <a16:creationId xmlns:a16="http://schemas.microsoft.com/office/drawing/2014/main" id="{003B507D-FC40-3BD4-5F0F-81983AB6487B}"/>
+              </a:ext>
+            </a:extLst>
+          </p:cNvPr>
+          <p:cNvPicPr>
+            <a:picLocks noChangeAspect="1"/>
+          </p:cNvPicPr>
+          <p:nvPr/>
+        </p:nvPicPr>
+        <p:blipFill>
+          <a:blip r:embed="rId8"/>
+          <a:stretch>
+            <a:fillRect/>
+          </a:stretch>
+        </p:blipFill>
+        <p:spPr>
+          <a:xfrm>
+            <a:off x="108529" y="2358570"/>
+            <a:ext cx="7605988" cy="668094"/>
+          </a:xfrm>
+          <a:prstGeom prst="rect">
+            <a:avLst/>
+          </a:prstGeom>
+        </p:spPr>
+      </p:pic>
+      <p:pic>
+        <p:nvPicPr>
+          <p:cNvPr id="30" name="Picture 29" descr="Shuffle og Deck logik med fisher yates model, bruges ikke i test grundet FakeDeck">
+            <a:extLst>
+              <a:ext uri="{FF2B5EF4-FFF2-40B4-BE49-F238E27FC236}">
+                <a16:creationId xmlns:a16="http://schemas.microsoft.com/office/drawing/2014/main" id="{892072B7-D54F-8C9A-C797-1CEC6E9589AA}"/>
+              </a:ext>
+            </a:extLst>
+          </p:cNvPr>
+          <p:cNvPicPr>
+            <a:picLocks noChangeAspect="1"/>
+          </p:cNvPicPr>
+          <p:nvPr/>
+        </p:nvPicPr>
+        <p:blipFill>
+          <a:blip r:embed="rId5"/>
+          <a:stretch>
+            <a:fillRect/>
+          </a:stretch>
+        </p:blipFill>
+        <p:spPr>
+          <a:xfrm>
+            <a:off x="108529" y="3102191"/>
+            <a:ext cx="2866094" cy="3694811"/>
+          </a:xfrm>
+          <a:prstGeom prst="rect">
+            <a:avLst/>
+          </a:prstGeom>
+        </p:spPr>
+      </p:pic>
+    </p:spTree>
+    <p:extLst>
+      <p:ext uri="{BB962C8B-B14F-4D97-AF65-F5344CB8AC3E}">
+        <p14:creationId xmlns:p14="http://schemas.microsoft.com/office/powerpoint/2010/main" val="1921625749"/>
+      </p:ext>
+    </p:extLst>
+  </p:cSld>
+  <p:clrMapOvr>
+    <a:masterClrMapping/>
+  </p:clrMapOvr>
+</p:sld>
+</file>
+
+<file path=ppt/slides/slide9.xml><?xml version="1.0" encoding="utf-8"?>
 <p:sld xmlns:a="http://schemas.openxmlformats.org/drawingml/2006/main" xmlns:r="http://schemas.openxmlformats.org/officeDocument/2006/relationships" xmlns:p="http://schemas.openxmlformats.org/presentationml/2006/main">
   <p:cSld>
     <p:bg>
@@ -13691,7 +15313,7 @@
             <a:fld id="{B5CEABB6-07DC-46E8-9B57-56EC44A396E5}" type="slidenum">
               <a:rPr lang="da-DK" smtClean="0"/>
               <a:pPr rtl="0"/>
-              <a:t>8</a:t>
+              <a:t>9</a:t>
             </a:fld>
             <a:endParaRPr lang="da-DK"/>
           </a:p>
@@ -13701,299 +15323,6 @@
     <p:extLst>
       <p:ext uri="{BB962C8B-B14F-4D97-AF65-F5344CB8AC3E}">
         <p14:creationId xmlns:p14="http://schemas.microsoft.com/office/powerpoint/2010/main" val="627911590"/>
-      </p:ext>
-    </p:extLst>
-  </p:cSld>
-  <p:clrMapOvr>
-    <a:masterClrMapping/>
-  </p:clrMapOvr>
-</p:sld>
-</file>
-
-<file path=ppt/slides/slide9.xml><?xml version="1.0" encoding="utf-8"?>
-<p:sld xmlns:a="http://schemas.openxmlformats.org/drawingml/2006/main" xmlns:r="http://schemas.openxmlformats.org/officeDocument/2006/relationships" xmlns:p="http://schemas.openxmlformats.org/presentationml/2006/main">
-  <p:cSld>
-    <p:spTree>
-      <p:nvGrpSpPr>
-        <p:cNvPr id="1" name=""/>
-        <p:cNvGrpSpPr/>
-        <p:nvPr/>
-      </p:nvGrpSpPr>
-      <p:grpSpPr>
-        <a:xfrm>
-          <a:off x="0" y="0"/>
-          <a:ext cx="0" cy="0"/>
-          <a:chOff x="0" y="0"/>
-          <a:chExt cx="0" cy="0"/>
-        </a:xfrm>
-      </p:grpSpPr>
-      <p:sp>
-        <p:nvSpPr>
-          <p:cNvPr id="27" name="Titel 1">
-            <a:extLst>
-              <a:ext uri="{FF2B5EF4-FFF2-40B4-BE49-F238E27FC236}">
-                <a16:creationId xmlns:a16="http://schemas.microsoft.com/office/drawing/2014/main" id="{47C57BC2-D2D3-86A9-8E26-77B1EE32D859}"/>
-              </a:ext>
-            </a:extLst>
-          </p:cNvPr>
-          <p:cNvSpPr txBox="1">
-            <a:spLocks/>
-          </p:cNvSpPr>
-          <p:nvPr/>
-        </p:nvSpPr>
-        <p:spPr>
-          <a:xfrm>
-            <a:off x="838200" y="392239"/>
-            <a:ext cx="10515600" cy="1325563"/>
-          </a:xfrm>
-          <a:prstGeom prst="rect">
-            <a:avLst/>
-          </a:prstGeom>
-        </p:spPr>
-        <p:txBody>
-          <a:bodyPr vert="horz" lIns="91440" tIns="45720" rIns="91440" bIns="45720" rtlCol="0" anchor="ctr">
-            <a:normAutofit/>
-          </a:bodyPr>
-          <a:lstStyle>
-            <a:lvl1pPr algn="ctr" defTabSz="914400" rtl="0" eaLnBrk="1" latinLnBrk="0" hangingPunct="1">
-              <a:lnSpc>
-                <a:spcPct val="90000"/>
-              </a:lnSpc>
-              <a:spcBef>
-                <a:spcPct val="0"/>
-              </a:spcBef>
-              <a:buNone/>
-              <a:defRPr sz="4400" b="1" kern="1200">
-                <a:solidFill>
-                  <a:schemeClr val="bg1"/>
-                </a:solidFill>
-                <a:latin typeface="+mj-lt"/>
-                <a:ea typeface="+mj-ea"/>
-                <a:cs typeface="+mj-cs"/>
-              </a:defRPr>
-            </a:lvl1pPr>
-          </a:lstStyle>
-          <a:p>
-            <a:r>
-              <a:rPr lang="da-DK" dirty="0">
-                <a:solidFill>
-                  <a:schemeClr val="accent1">
-                    <a:lumMod val="50000"/>
-                  </a:schemeClr>
-                </a:solidFill>
-              </a:rPr>
-              <a:t>Demo</a:t>
-            </a:r>
-          </a:p>
-        </p:txBody>
-      </p:sp>
-      <p:sp>
-        <p:nvSpPr>
-          <p:cNvPr id="26" name="Rectangle 25">
-            <a:extLst>
-              <a:ext uri="{FF2B5EF4-FFF2-40B4-BE49-F238E27FC236}">
-                <a16:creationId xmlns:a16="http://schemas.microsoft.com/office/drawing/2014/main" id="{65858D11-56D8-03FE-009E-E6C9411A87EC}"/>
-              </a:ext>
-            </a:extLst>
-          </p:cNvPr>
-          <p:cNvSpPr/>
-          <p:nvPr/>
-        </p:nvSpPr>
-        <p:spPr>
-          <a:xfrm>
-            <a:off x="3136392" y="2020824"/>
-            <a:ext cx="5907024" cy="4407408"/>
-          </a:xfrm>
-          <a:prstGeom prst="rect">
-            <a:avLst/>
-          </a:prstGeom>
-          <a:solidFill>
-            <a:schemeClr val="accent4"/>
-          </a:solidFill>
-          <a:ln>
-            <a:noFill/>
-          </a:ln>
-        </p:spPr>
-        <p:style>
-          <a:lnRef idx="2">
-            <a:schemeClr val="accent1">
-              <a:shade val="15000"/>
-            </a:schemeClr>
-          </a:lnRef>
-          <a:fillRef idx="1">
-            <a:schemeClr val="accent1"/>
-          </a:fillRef>
-          <a:effectRef idx="0">
-            <a:schemeClr val="accent1"/>
-          </a:effectRef>
-          <a:fontRef idx="minor">
-            <a:schemeClr val="lt1"/>
-          </a:fontRef>
-        </p:style>
-        <p:txBody>
-          <a:bodyPr rtlCol="0" anchor="ctr"/>
-          <a:lstStyle/>
-          <a:p>
-            <a:pPr algn="ctr"/>
-            <a:endParaRPr lang="da-DK"/>
-          </a:p>
-        </p:txBody>
-      </p:sp>
-      <p:sp>
-        <p:nvSpPr>
-          <p:cNvPr id="2" name="Titel 1">
-            <a:extLst>
-              <a:ext uri="{FF2B5EF4-FFF2-40B4-BE49-F238E27FC236}">
-                <a16:creationId xmlns:a16="http://schemas.microsoft.com/office/drawing/2014/main" id="{75031FE9-9059-4FE8-B4AC-9771F23A1B89}"/>
-              </a:ext>
-            </a:extLst>
-          </p:cNvPr>
-          <p:cNvSpPr>
-            <a:spLocks noGrp="1"/>
-          </p:cNvSpPr>
-          <p:nvPr>
-            <p:ph type="title"/>
-          </p:nvPr>
-        </p:nvSpPr>
-        <p:spPr/>
-        <p:txBody>
-          <a:bodyPr rtlCol="0"/>
-          <a:lstStyle/>
-          <a:p>
-            <a:pPr rtl="0"/>
-            <a:r>
-              <a:rPr lang="da-DK" dirty="0">
-                <a:solidFill>
-                  <a:schemeClr val="accent3"/>
-                </a:solidFill>
-              </a:rPr>
-              <a:t>Demo</a:t>
-            </a:r>
-          </a:p>
-        </p:txBody>
-      </p:sp>
-      <p:sp>
-        <p:nvSpPr>
-          <p:cNvPr id="113" name="Pladsholder til dato 112">
-            <a:extLst>
-              <a:ext uri="{FF2B5EF4-FFF2-40B4-BE49-F238E27FC236}">
-                <a16:creationId xmlns:a16="http://schemas.microsoft.com/office/drawing/2014/main" id="{7E8EF87C-1B5A-4A25-A610-FF5D18E265DE}"/>
-              </a:ext>
-            </a:extLst>
-          </p:cNvPr>
-          <p:cNvSpPr>
-            <a:spLocks noGrp="1"/>
-          </p:cNvSpPr>
-          <p:nvPr>
-            <p:ph type="dt" sz="half" idx="10"/>
-          </p:nvPr>
-        </p:nvSpPr>
-        <p:spPr/>
-        <p:txBody>
-          <a:bodyPr rtlCol="0"/>
-          <a:lstStyle/>
-          <a:p>
-            <a:r>
-              <a:rPr lang="da-DK" dirty="0"/>
-              <a:t>13/02/2026</a:t>
-            </a:r>
-          </a:p>
-        </p:txBody>
-      </p:sp>
-      <p:sp>
-        <p:nvSpPr>
-          <p:cNvPr id="114" name="Pladsholder til sidefod 113">
-            <a:extLst>
-              <a:ext uri="{FF2B5EF4-FFF2-40B4-BE49-F238E27FC236}">
-                <a16:creationId xmlns:a16="http://schemas.microsoft.com/office/drawing/2014/main" id="{E1B2A7C1-7EE4-45F0-B54C-188E1133A98A}"/>
-              </a:ext>
-            </a:extLst>
-          </p:cNvPr>
-          <p:cNvSpPr>
-            <a:spLocks noGrp="1"/>
-          </p:cNvSpPr>
-          <p:nvPr>
-            <p:ph type="ftr" sz="quarter" idx="11"/>
-          </p:nvPr>
-        </p:nvSpPr>
-        <p:spPr/>
-        <p:txBody>
-          <a:bodyPr rtlCol="0"/>
-          <a:lstStyle/>
-          <a:p>
-            <a:r>
-              <a:rPr lang="da-DK" dirty="0"/>
-              <a:t>Specialisterne Projekt Præsentation</a:t>
-            </a:r>
-          </a:p>
-        </p:txBody>
-      </p:sp>
-      <p:sp>
-        <p:nvSpPr>
-          <p:cNvPr id="115" name="Pladsholder til slidenummer 114">
-            <a:extLst>
-              <a:ext uri="{FF2B5EF4-FFF2-40B4-BE49-F238E27FC236}">
-                <a16:creationId xmlns:a16="http://schemas.microsoft.com/office/drawing/2014/main" id="{47C21FD0-6144-422A-9727-F3249A6B5540}"/>
-              </a:ext>
-            </a:extLst>
-          </p:cNvPr>
-          <p:cNvSpPr>
-            <a:spLocks noGrp="1"/>
-          </p:cNvSpPr>
-          <p:nvPr>
-            <p:ph type="sldNum" sz="quarter" idx="12"/>
-          </p:nvPr>
-        </p:nvSpPr>
-        <p:spPr/>
-        <p:txBody>
-          <a:bodyPr rtlCol="0"/>
-          <a:lstStyle/>
-          <a:p>
-            <a:pPr rtl="0"/>
-            <a:fld id="{B5CEABB6-07DC-46E8-9B57-56EC44A396E5}" type="slidenum">
-              <a:rPr lang="da-DK" smtClean="0"/>
-              <a:pPr rtl="0"/>
-              <a:t>9</a:t>
-            </a:fld>
-            <a:endParaRPr lang="da-DK"/>
-          </a:p>
-        </p:txBody>
-      </p:sp>
-      <p:pic>
-        <p:nvPicPr>
-          <p:cNvPr id="24" name="Picture 23">
-            <a:extLst>
-              <a:ext uri="{FF2B5EF4-FFF2-40B4-BE49-F238E27FC236}">
-                <a16:creationId xmlns:a16="http://schemas.microsoft.com/office/drawing/2014/main" id="{8318B8C4-A605-DAE8-1A58-53D0CB1F724A}"/>
-              </a:ext>
-            </a:extLst>
-          </p:cNvPr>
-          <p:cNvPicPr>
-            <a:picLocks noChangeAspect="1"/>
-          </p:cNvPicPr>
-          <p:nvPr/>
-        </p:nvPicPr>
-        <p:blipFill>
-          <a:blip r:embed="rId3"/>
-          <a:srcRect l="1" r="43124" b="19201"/>
-          <a:stretch>
-            <a:fillRect/>
-          </a:stretch>
-        </p:blipFill>
-        <p:spPr>
-          <a:xfrm>
-            <a:off x="3220726" y="2085891"/>
-            <a:ext cx="5750548" cy="4270459"/>
-          </a:xfrm>
-          <a:prstGeom prst="rect">
-            <a:avLst/>
-          </a:prstGeom>
-        </p:spPr>
-      </p:pic>
-    </p:spTree>
-    <p:extLst>
-      <p:ext uri="{BB962C8B-B14F-4D97-AF65-F5344CB8AC3E}">
-        <p14:creationId xmlns:p14="http://schemas.microsoft.com/office/powerpoint/2010/main" val="1593920805"/>
       </p:ext>
     </p:extLst>
   </p:cSld>
@@ -14795,15 +16124,6 @@
 </file>
 
 <file path=customXml/item1.xml><?xml version="1.0" encoding="utf-8"?>
-<?mso-contentType ?>
-<FormTemplates xmlns="http://schemas.microsoft.com/sharepoint/v3/contenttype/forms">
-  <Display>DocumentLibraryForm</Display>
-  <Edit>DocumentLibraryForm</Edit>
-  <New>DocumentLibraryForm</New>
-</FormTemplates>
-</file>
-
-<file path=customXml/item2.xml><?xml version="1.0" encoding="utf-8"?>
 <ct:contentTypeSchema xmlns:ct="http://schemas.microsoft.com/office/2006/metadata/contentType" xmlns:ma="http://schemas.microsoft.com/office/2006/metadata/properties/metaAttributes" ct:_="" ma:_="" ma:contentTypeName="Document" ma:contentTypeID="0x01010079F111ED35F8CC479449609E8A0923A6" ma:contentTypeVersion="21" ma:contentTypeDescription="Create a new document." ma:contentTypeScope="" ma:versionID="64dfb1555687e0874b4304b796b5b0c7">
   <xsd:schema xmlns:xsd="http://www.w3.org/2001/XMLSchema" xmlns:xs="http://www.w3.org/2001/XMLSchema" xmlns:p="http://schemas.microsoft.com/office/2006/metadata/properties" xmlns:ns1="http://schemas.microsoft.com/sharepoint/v3" xmlns:ns2="71af3243-3dd4-4a8d-8c0d-dd76da1f02a5" xmlns:ns3="16c05727-aa75-4e4a-9b5f-8a80a1165891" xmlns:ns4="230e9df3-be65-4c73-a93b-d1236ebd677e" targetNamespace="http://schemas.microsoft.com/office/2006/metadata/properties" ma:root="true" ma:fieldsID="e6e4c555b5e194d05b7203de9c4567b3" ns1:_="" ns2:_="" ns3:_="" ns4:_="">
     <xsd:import namespace="http://schemas.microsoft.com/sharepoint/v3"/>
@@ -15085,6 +16405,15 @@
 </ct:contentTypeSchema>
 </file>
 
+<file path=customXml/item2.xml><?xml version="1.0" encoding="utf-8"?>
+<?mso-contentType ?>
+<FormTemplates xmlns="http://schemas.microsoft.com/sharepoint/v3/contenttype/forms">
+  <Display>DocumentLibraryForm</Display>
+  <Edit>DocumentLibraryForm</Edit>
+  <New>DocumentLibraryForm</New>
+</FormTemplates>
+</file>
+
 <file path=customXml/item3.xml><?xml version="1.0" encoding="utf-8"?>
 <p:properties xmlns:p="http://schemas.microsoft.com/office/2006/metadata/properties" xmlns:xsi="http://www.w3.org/2001/XMLSchema-instance" xmlns:pc="http://schemas.microsoft.com/office/infopath/2007/PartnerControls">
   <documentManagement>
@@ -15105,14 +16434,6 @@
 </file>
 
 <file path=customXml/itemProps1.xml><?xml version="1.0" encoding="utf-8"?>
-<ds:datastoreItem xmlns:ds="http://schemas.openxmlformats.org/officeDocument/2006/customXml" ds:itemID="{E618C13B-9D83-4AF4-B64D-33362D5133F8}">
-  <ds:schemaRefs>
-    <ds:schemaRef ds:uri="http://schemas.microsoft.com/sharepoint/v3/contenttype/forms"/>
-  </ds:schemaRefs>
-</ds:datastoreItem>
-</file>
-
-<file path=customXml/itemProps2.xml><?xml version="1.0" encoding="utf-8"?>
 <ds:datastoreItem xmlns:ds="http://schemas.openxmlformats.org/officeDocument/2006/customXml" ds:itemID="{67ACD96E-49A0-4DA4-A7BB-AC2D8874213F}">
   <ds:schemaRefs>
     <ds:schemaRef ds:uri="http://schemas.microsoft.com/office/2006/metadata/contentType"/>
@@ -15129,6 +16450,14 @@
     <ds:schemaRef ds:uri="http://purl.org/dc/elements/1.1/"/>
     <ds:schemaRef ds:uri="http://purl.org/dc/terms/"/>
     <ds:schemaRef ds:uri="http://schemas.microsoft.com/internal/obd"/>
+  </ds:schemaRefs>
+</ds:datastoreItem>
+</file>
+
+<file path=customXml/itemProps2.xml><?xml version="1.0" encoding="utf-8"?>
+<ds:datastoreItem xmlns:ds="http://schemas.openxmlformats.org/officeDocument/2006/customXml" ds:itemID="{E618C13B-9D83-4AF4-B64D-33362D5133F8}">
+  <ds:schemaRefs>
+    <ds:schemaRef ds:uri="http://schemas.microsoft.com/sharepoint/v3/contenttype/forms"/>
   </ds:schemaRefs>
 </ds:datastoreItem>
 </file>

--- a/Documentation (Danish)/Blackjack i C#.pptx
+++ b/Documentation (Danish)/Blackjack i C#.pptx
@@ -10536,7 +10536,7 @@
             <a:pPr rtl="0"/>
             <a:r>
               <a:rPr lang="da-DK" sz="5200" spc="-30" dirty="0"/>
-              <a:t>Blackjack i C#</a:t>
+              <a:t>Blackjack i C# - Oversigt</a:t>
             </a:r>
           </a:p>
         </p:txBody>
@@ -10631,6 +10631,203 @@
               <a:solidFill>
                 <a:schemeClr val="bg1"/>
               </a:solidFill>
+              <a:latin typeface="ADLaM Display" panose="02010000000000000000" pitchFamily="2" charset="0"/>
+              <a:ea typeface="ADLaM Display" panose="02010000000000000000" pitchFamily="2" charset="0"/>
+              <a:cs typeface="ADLaM Display" panose="02010000000000000000" pitchFamily="2" charset="0"/>
+            </a:endParaRPr>
+          </a:p>
+        </p:txBody>
+      </p:sp>
+      <p:sp>
+        <p:nvSpPr>
+          <p:cNvPr id="5" name="TextBox 4">
+            <a:extLst>
+              <a:ext uri="{FF2B5EF4-FFF2-40B4-BE49-F238E27FC236}">
+                <a16:creationId xmlns:a16="http://schemas.microsoft.com/office/drawing/2014/main" id="{00189FFD-97D0-7A29-B7C6-82421F8FAA0E}"/>
+              </a:ext>
+            </a:extLst>
+          </p:cNvPr>
+          <p:cNvSpPr txBox="1"/>
+          <p:nvPr/>
+        </p:nvSpPr>
+        <p:spPr>
+          <a:xfrm>
+            <a:off x="678426" y="442452"/>
+            <a:ext cx="5270090" cy="1754326"/>
+          </a:xfrm>
+          <a:prstGeom prst="rect">
+            <a:avLst/>
+          </a:prstGeom>
+          <a:noFill/>
+        </p:spPr>
+        <p:txBody>
+          <a:bodyPr wrap="square" rtlCol="0">
+            <a:spAutoFit/>
+          </a:bodyPr>
+          <a:lstStyle/>
+          <a:p>
+            <a:r>
+              <a:rPr lang="en-US" dirty="0">
+                <a:latin typeface="ADLaM Display" panose="02010000000000000000" pitchFamily="2" charset="0"/>
+                <a:ea typeface="ADLaM Display" panose="02010000000000000000" pitchFamily="2" charset="0"/>
+                <a:cs typeface="ADLaM Display" panose="02010000000000000000" pitchFamily="2" charset="0"/>
+              </a:rPr>
+              <a:t>Hvad indeb</a:t>
+            </a:r>
+            <a:r>
+              <a:rPr lang="da-DK" dirty="0">
+                <a:latin typeface="ADLaM Display" panose="02010000000000000000" pitchFamily="2" charset="0"/>
+                <a:ea typeface="ADLaM Display" panose="02010000000000000000" pitchFamily="2" charset="0"/>
+                <a:cs typeface="ADLaM Display" panose="02010000000000000000" pitchFamily="2" charset="0"/>
+              </a:rPr>
+              <a:t>ærer det?</a:t>
+            </a:r>
+          </a:p>
+          <a:p>
+            <a:r>
+              <a:rPr lang="da-DK" dirty="0">
+                <a:latin typeface="ADLaM Display" panose="02010000000000000000" pitchFamily="2" charset="0"/>
+                <a:ea typeface="ADLaM Display" panose="02010000000000000000" pitchFamily="2" charset="0"/>
+                <a:cs typeface="ADLaM Display" panose="02010000000000000000" pitchFamily="2" charset="0"/>
+              </a:rPr>
+              <a:t>Krav</a:t>
+            </a:r>
+          </a:p>
+          <a:p>
+            <a:r>
+              <a:rPr lang="da-DK" dirty="0">
+                <a:latin typeface="ADLaM Display" panose="02010000000000000000" pitchFamily="2" charset="0"/>
+                <a:ea typeface="ADLaM Display" panose="02010000000000000000" pitchFamily="2" charset="0"/>
+                <a:cs typeface="ADLaM Display" panose="02010000000000000000" pitchFamily="2" charset="0"/>
+              </a:rPr>
+              <a:t>Arkitektur</a:t>
+            </a:r>
+          </a:p>
+          <a:p>
+            <a:r>
+              <a:rPr lang="da-DK" dirty="0">
+                <a:latin typeface="ADLaM Display" panose="02010000000000000000" pitchFamily="2" charset="0"/>
+                <a:ea typeface="ADLaM Display" panose="02010000000000000000" pitchFamily="2" charset="0"/>
+                <a:cs typeface="ADLaM Display" panose="02010000000000000000" pitchFamily="2" charset="0"/>
+              </a:rPr>
+              <a:t>Tekniske Begrundelser</a:t>
+            </a:r>
+          </a:p>
+          <a:p>
+            <a:r>
+              <a:rPr lang="da-DK" dirty="0">
+                <a:latin typeface="ADLaM Display" panose="02010000000000000000" pitchFamily="2" charset="0"/>
+                <a:ea typeface="ADLaM Display" panose="02010000000000000000" pitchFamily="2" charset="0"/>
+                <a:cs typeface="ADLaM Display" panose="02010000000000000000" pitchFamily="2" charset="0"/>
+              </a:rPr>
+              <a:t>Arbejdsproces</a:t>
+            </a:r>
+          </a:p>
+          <a:p>
+            <a:r>
+              <a:rPr lang="da-DK" dirty="0">
+                <a:latin typeface="ADLaM Display" panose="02010000000000000000" pitchFamily="2" charset="0"/>
+                <a:ea typeface="ADLaM Display" panose="02010000000000000000" pitchFamily="2" charset="0"/>
+                <a:cs typeface="ADLaM Display" panose="02010000000000000000" pitchFamily="2" charset="0"/>
+              </a:rPr>
+              <a:t>Begrænsninger</a:t>
+            </a:r>
+          </a:p>
+        </p:txBody>
+      </p:sp>
+      <p:sp>
+        <p:nvSpPr>
+          <p:cNvPr id="7" name="TextBox 6">
+            <a:extLst>
+              <a:ext uri="{FF2B5EF4-FFF2-40B4-BE49-F238E27FC236}">
+                <a16:creationId xmlns:a16="http://schemas.microsoft.com/office/drawing/2014/main" id="{5CB33A62-FE4A-9BDE-F3B9-9A42BD53502D}"/>
+              </a:ext>
+            </a:extLst>
+          </p:cNvPr>
+          <p:cNvSpPr txBox="1"/>
+          <p:nvPr/>
+        </p:nvSpPr>
+        <p:spPr>
+          <a:xfrm>
+            <a:off x="6243486" y="442452"/>
+            <a:ext cx="5466736" cy="2031325"/>
+          </a:xfrm>
+          <a:prstGeom prst="rect">
+            <a:avLst/>
+          </a:prstGeom>
+          <a:noFill/>
+        </p:spPr>
+        <p:txBody>
+          <a:bodyPr wrap="square" rtlCol="0">
+            <a:spAutoFit/>
+          </a:bodyPr>
+          <a:lstStyle/>
+          <a:p>
+            <a:pPr algn="r"/>
+            <a:r>
+              <a:rPr lang="da-DK" dirty="0">
+                <a:latin typeface="ADLaM Display" panose="02010000000000000000" pitchFamily="2" charset="0"/>
+                <a:ea typeface="ADLaM Display" panose="02010000000000000000" pitchFamily="2" charset="0"/>
+                <a:cs typeface="ADLaM Display" panose="02010000000000000000" pitchFamily="2" charset="0"/>
+              </a:rPr>
+              <a:t>Unit Tests</a:t>
+            </a:r>
+          </a:p>
+          <a:p>
+            <a:pPr algn="r"/>
+            <a:r>
+              <a:rPr lang="da-DK" dirty="0">
+                <a:latin typeface="ADLaM Display" panose="02010000000000000000" pitchFamily="2" charset="0"/>
+                <a:ea typeface="ADLaM Display" panose="02010000000000000000" pitchFamily="2" charset="0"/>
+                <a:cs typeface="ADLaM Display" panose="02010000000000000000" pitchFamily="2" charset="0"/>
+              </a:rPr>
+              <a:t>Kode</a:t>
+            </a:r>
+          </a:p>
+          <a:p>
+            <a:pPr algn="r"/>
+            <a:r>
+              <a:rPr lang="da-DK" dirty="0">
+                <a:latin typeface="ADLaM Display" panose="02010000000000000000" pitchFamily="2" charset="0"/>
+                <a:ea typeface="ADLaM Display" panose="02010000000000000000" pitchFamily="2" charset="0"/>
+                <a:cs typeface="ADLaM Display" panose="02010000000000000000" pitchFamily="2" charset="0"/>
+              </a:rPr>
+              <a:t>Coverage Tests</a:t>
+            </a:r>
+          </a:p>
+          <a:p>
+            <a:pPr algn="r"/>
+            <a:r>
+              <a:rPr lang="da-DK" dirty="0">
+                <a:latin typeface="ADLaM Display" panose="02010000000000000000" pitchFamily="2" charset="0"/>
+                <a:ea typeface="ADLaM Display" panose="02010000000000000000" pitchFamily="2" charset="0"/>
+                <a:cs typeface="ADLaM Display" panose="02010000000000000000" pitchFamily="2" charset="0"/>
+              </a:rPr>
+              <a:t>Demo</a:t>
+            </a:r>
+          </a:p>
+          <a:p>
+            <a:pPr algn="r"/>
+            <a:r>
+              <a:rPr lang="da-DK" dirty="0">
+                <a:latin typeface="ADLaM Display" panose="02010000000000000000" pitchFamily="2" charset="0"/>
+                <a:ea typeface="ADLaM Display" panose="02010000000000000000" pitchFamily="2" charset="0"/>
+                <a:cs typeface="ADLaM Display" panose="02010000000000000000" pitchFamily="2" charset="0"/>
+              </a:rPr>
+              <a:t>Udbytte</a:t>
+            </a:r>
+          </a:p>
+          <a:p>
+            <a:pPr algn="r"/>
+            <a:endParaRPr lang="da-DK" dirty="0">
+              <a:latin typeface="ADLaM Display" panose="02010000000000000000" pitchFamily="2" charset="0"/>
+              <a:ea typeface="ADLaM Display" panose="02010000000000000000" pitchFamily="2" charset="0"/>
+              <a:cs typeface="ADLaM Display" panose="02010000000000000000" pitchFamily="2" charset="0"/>
+            </a:endParaRPr>
+          </a:p>
+          <a:p>
+            <a:pPr algn="r"/>
+            <a:endParaRPr lang="da-DK" dirty="0">
               <a:latin typeface="ADLaM Display" panose="02010000000000000000" pitchFamily="2" charset="0"/>
               <a:ea typeface="ADLaM Display" panose="02010000000000000000" pitchFamily="2" charset="0"/>
               <a:cs typeface="ADLaM Display" panose="02010000000000000000" pitchFamily="2" charset="0"/>
@@ -11026,12 +11223,8 @@
           <a:p>
             <a:pPr rtl="0"/>
             <a:r>
-              <a:rPr lang="da-DK" dirty="0" err="1"/>
-              <a:t>Coverage</a:t>
-            </a:r>
-            <a:r>
               <a:rPr lang="da-DK" dirty="0"/>
-              <a:t> Reports</a:t>
+              <a:t>Coverage Reports</a:t>
             </a:r>
           </a:p>
           <a:p>
@@ -11993,7 +12186,7 @@
             <a:pPr rtl="0"/>
             <a:fld id="{B5CEABB6-07DC-46E8-9B57-56EC44A396E5}" type="slidenum">
               <a:rPr lang="da-DK" smtClean="0"/>
-              <a:pPr/>
+              <a:pPr rtl="0"/>
               <a:t>2</a:t>
             </a:fld>
             <a:endParaRPr lang="da-DK"/>
@@ -12146,7 +12339,7 @@
             <a:pPr rtl="0"/>
             <a:fld id="{19B51A1E-902D-48AF-9020-955120F399B6}" type="slidenum">
               <a:rPr lang="da-DK" smtClean="0"/>
-              <a:pPr/>
+              <a:pPr rtl="0"/>
               <a:t>3</a:t>
             </a:fld>
             <a:endParaRPr lang="da-DK"/>
@@ -14551,16 +14744,6 @@
           </a:lstStyle>
           <a:p>
             <a:r>
-              <a:rPr lang="da-DK" dirty="0" err="1">
-                <a:solidFill>
-                  <a:schemeClr val="accent1">
-                    <a:lumMod val="50000"/>
-                  </a:schemeClr>
-                </a:solidFill>
-              </a:rPr>
-              <a:t>Coverage</a:t>
-            </a:r>
-            <a:r>
               <a:rPr lang="da-DK" dirty="0">
                 <a:solidFill>
                   <a:schemeClr val="accent1">
@@ -14568,7 +14751,7 @@
                   </a:schemeClr>
                 </a:solidFill>
               </a:rPr>
-              <a:t> Report</a:t>
+              <a:t>Coverage Report</a:t>
             </a:r>
           </a:p>
         </p:txBody>
@@ -14600,21 +14783,13 @@
           <a:lstStyle/>
           <a:p>
             <a:pPr rtl="0"/>
-            <a:r>
-              <a:rPr lang="da-DK" dirty="0" err="1">
-                <a:solidFill>
-                  <a:schemeClr val="accent3"/>
-                </a:solidFill>
-              </a:rPr>
-              <a:t>Coverage</a:t>
-            </a:r>
             <a:r>
               <a:rPr lang="da-DK" dirty="0">
                 <a:solidFill>
                   <a:schemeClr val="accent3"/>
                 </a:solidFill>
               </a:rPr>
-              <a:t> Report</a:t>
+              <a:t>Coverage Report</a:t>
             </a:r>
           </a:p>
         </p:txBody>
@@ -15177,20 +15352,12 @@
           <a:p>
             <a:pPr rtl="0"/>
             <a:r>
-              <a:rPr lang="da-DK" dirty="0" err="1">
-                <a:latin typeface="ADLaM Display" panose="02010000000000000000" pitchFamily="2" charset="0"/>
-                <a:ea typeface="ADLaM Display" panose="02010000000000000000" pitchFamily="2" charset="0"/>
-                <a:cs typeface="ADLaM Display" panose="02010000000000000000" pitchFamily="2" charset="0"/>
-              </a:rPr>
-              <a:t>Coverage</a:t>
-            </a:r>
-            <a:r>
               <a:rPr lang="da-DK" dirty="0">
                 <a:latin typeface="ADLaM Display" panose="02010000000000000000" pitchFamily="2" charset="0"/>
                 <a:ea typeface="ADLaM Display" panose="02010000000000000000" pitchFamily="2" charset="0"/>
                 <a:cs typeface="ADLaM Display" panose="02010000000000000000" pitchFamily="2" charset="0"/>
               </a:rPr>
-              <a:t> </a:t>
+              <a:t>Coverage </a:t>
             </a:r>
             <a:r>
               <a:rPr lang="da-DK" dirty="0" err="1">
@@ -16124,6 +16291,15 @@
 </file>
 
 <file path=customXml/item1.xml><?xml version="1.0" encoding="utf-8"?>
+<?mso-contentType ?>
+<FormTemplates xmlns="http://schemas.microsoft.com/sharepoint/v3/contenttype/forms">
+  <Display>DocumentLibraryForm</Display>
+  <Edit>DocumentLibraryForm</Edit>
+  <New>DocumentLibraryForm</New>
+</FormTemplates>
+</file>
+
+<file path=customXml/item2.xml><?xml version="1.0" encoding="utf-8"?>
 <ct:contentTypeSchema xmlns:ct="http://schemas.microsoft.com/office/2006/metadata/contentType" xmlns:ma="http://schemas.microsoft.com/office/2006/metadata/properties/metaAttributes" ct:_="" ma:_="" ma:contentTypeName="Document" ma:contentTypeID="0x01010079F111ED35F8CC479449609E8A0923A6" ma:contentTypeVersion="21" ma:contentTypeDescription="Create a new document." ma:contentTypeScope="" ma:versionID="64dfb1555687e0874b4304b796b5b0c7">
   <xsd:schema xmlns:xsd="http://www.w3.org/2001/XMLSchema" xmlns:xs="http://www.w3.org/2001/XMLSchema" xmlns:p="http://schemas.microsoft.com/office/2006/metadata/properties" xmlns:ns1="http://schemas.microsoft.com/sharepoint/v3" xmlns:ns2="71af3243-3dd4-4a8d-8c0d-dd76da1f02a5" xmlns:ns3="16c05727-aa75-4e4a-9b5f-8a80a1165891" xmlns:ns4="230e9df3-be65-4c73-a93b-d1236ebd677e" targetNamespace="http://schemas.microsoft.com/office/2006/metadata/properties" ma:root="true" ma:fieldsID="e6e4c555b5e194d05b7203de9c4567b3" ns1:_="" ns2:_="" ns3:_="" ns4:_="">
     <xsd:import namespace="http://schemas.microsoft.com/sharepoint/v3"/>
@@ -16405,15 +16581,6 @@
 </ct:contentTypeSchema>
 </file>
 
-<file path=customXml/item2.xml><?xml version="1.0" encoding="utf-8"?>
-<?mso-contentType ?>
-<FormTemplates xmlns="http://schemas.microsoft.com/sharepoint/v3/contenttype/forms">
-  <Display>DocumentLibraryForm</Display>
-  <Edit>DocumentLibraryForm</Edit>
-  <New>DocumentLibraryForm</New>
-</FormTemplates>
-</file>
-
 <file path=customXml/item3.xml><?xml version="1.0" encoding="utf-8"?>
 <p:properties xmlns:p="http://schemas.microsoft.com/office/2006/metadata/properties" xmlns:xsi="http://www.w3.org/2001/XMLSchema-instance" xmlns:pc="http://schemas.microsoft.com/office/infopath/2007/PartnerControls">
   <documentManagement>
@@ -16434,6 +16601,14 @@
 </file>
 
 <file path=customXml/itemProps1.xml><?xml version="1.0" encoding="utf-8"?>
+<ds:datastoreItem xmlns:ds="http://schemas.openxmlformats.org/officeDocument/2006/customXml" ds:itemID="{E618C13B-9D83-4AF4-B64D-33362D5133F8}">
+  <ds:schemaRefs>
+    <ds:schemaRef ds:uri="http://schemas.microsoft.com/sharepoint/v3/contenttype/forms"/>
+  </ds:schemaRefs>
+</ds:datastoreItem>
+</file>
+
+<file path=customXml/itemProps2.xml><?xml version="1.0" encoding="utf-8"?>
 <ds:datastoreItem xmlns:ds="http://schemas.openxmlformats.org/officeDocument/2006/customXml" ds:itemID="{67ACD96E-49A0-4DA4-A7BB-AC2D8874213F}">
   <ds:schemaRefs>
     <ds:schemaRef ds:uri="http://schemas.microsoft.com/office/2006/metadata/contentType"/>
@@ -16450,14 +16625,6 @@
     <ds:schemaRef ds:uri="http://purl.org/dc/elements/1.1/"/>
     <ds:schemaRef ds:uri="http://purl.org/dc/terms/"/>
     <ds:schemaRef ds:uri="http://schemas.microsoft.com/internal/obd"/>
-  </ds:schemaRefs>
-</ds:datastoreItem>
-</file>
-
-<file path=customXml/itemProps2.xml><?xml version="1.0" encoding="utf-8"?>
-<ds:datastoreItem xmlns:ds="http://schemas.openxmlformats.org/officeDocument/2006/customXml" ds:itemID="{E618C13B-9D83-4AF4-B64D-33362D5133F8}">
-  <ds:schemaRefs>
-    <ds:schemaRef ds:uri="http://schemas.microsoft.com/sharepoint/v3/contenttype/forms"/>
   </ds:schemaRefs>
 </ds:datastoreItem>
 </file>
